--- a/presentations/weekly_meetings/6_13_24.pptx
+++ b/presentations/weekly_meetings/6_13_24.pptx
@@ -5,7 +5,7 @@
     <p:sldMasterId id="2147483648" r:id="rId1"/>
   </p:sldMasterIdLst>
   <p:notesMasterIdLst>
-    <p:notesMasterId r:id="rId11"/>
+    <p:notesMasterId r:id="rId12"/>
   </p:notesMasterIdLst>
   <p:sldIdLst>
     <p:sldId id="477" r:id="rId2"/>
@@ -15,8 +15,9 @@
     <p:sldId id="718" r:id="rId6"/>
     <p:sldId id="716" r:id="rId7"/>
     <p:sldId id="719" r:id="rId8"/>
-    <p:sldId id="713" r:id="rId9"/>
-    <p:sldId id="714" r:id="rId10"/>
+    <p:sldId id="720" r:id="rId9"/>
+    <p:sldId id="713" r:id="rId10"/>
+    <p:sldId id="714" r:id="rId11"/>
   </p:sldIdLst>
   <p:sldSz cx="12192000" cy="6858000"/>
   <p:notesSz cx="6858000" cy="9144000"/>
@@ -216,7 +217,7 @@
           <a:p>
             <a:fld id="{E933A773-0DCE-3544-BB67-D5FA58DF903C}" type="datetimeFigureOut">
               <a:rPr lang="en-US" smtClean="0"/>
-              <a:t>6/11/24</a:t>
+              <a:t>6/12/24</a:t>
             </a:fld>
             <a:endParaRPr lang="en-US"/>
           </a:p>
@@ -567,6 +568,120 @@
 </p:notes>
 </file>
 
+<file path=ppt/notesSlides/notesSlide10.xml><?xml version="1.0" encoding="utf-8"?>
+<p:notes xmlns:a="http://schemas.openxmlformats.org/drawingml/2006/main" xmlns:r="http://schemas.openxmlformats.org/officeDocument/2006/relationships" xmlns:p="http://schemas.openxmlformats.org/presentationml/2006/main">
+  <p:cSld>
+    <p:spTree>
+      <p:nvGrpSpPr>
+        <p:cNvPr id="1" name="">
+          <a:extLst>
+            <a:ext uri="{FF2B5EF4-FFF2-40B4-BE49-F238E27FC236}">
+              <a16:creationId xmlns:a16="http://schemas.microsoft.com/office/drawing/2014/main" id="{3415C166-0F50-E043-8950-9F266C4565AE}"/>
+            </a:ext>
+          </a:extLst>
+        </p:cNvPr>
+        <p:cNvGrpSpPr/>
+        <p:nvPr/>
+      </p:nvGrpSpPr>
+      <p:grpSpPr>
+        <a:xfrm>
+          <a:off x="0" y="0"/>
+          <a:ext cx="0" cy="0"/>
+          <a:chOff x="0" y="0"/>
+          <a:chExt cx="0" cy="0"/>
+        </a:xfrm>
+      </p:grpSpPr>
+      <p:sp>
+        <p:nvSpPr>
+          <p:cNvPr id="2" name="Slide Image Placeholder 1">
+            <a:extLst>
+              <a:ext uri="{FF2B5EF4-FFF2-40B4-BE49-F238E27FC236}">
+                <a16:creationId xmlns:a16="http://schemas.microsoft.com/office/drawing/2014/main" id="{1E497E09-6D11-D0BA-D2D1-5B08FB997731}"/>
+              </a:ext>
+            </a:extLst>
+          </p:cNvPr>
+          <p:cNvSpPr>
+            <a:spLocks noGrp="1" noRot="1" noChangeAspect="1"/>
+          </p:cNvSpPr>
+          <p:nvPr>
+            <p:ph type="sldImg"/>
+          </p:nvPr>
+        </p:nvSpPr>
+        <p:spPr/>
+      </p:sp>
+      <p:sp>
+        <p:nvSpPr>
+          <p:cNvPr id="3" name="Notes Placeholder 2">
+            <a:extLst>
+              <a:ext uri="{FF2B5EF4-FFF2-40B4-BE49-F238E27FC236}">
+                <a16:creationId xmlns:a16="http://schemas.microsoft.com/office/drawing/2014/main" id="{9336C4A5-58A4-D062-54A6-1D67A978E992}"/>
+              </a:ext>
+            </a:extLst>
+          </p:cNvPr>
+          <p:cNvSpPr>
+            <a:spLocks noGrp="1"/>
+          </p:cNvSpPr>
+          <p:nvPr>
+            <p:ph type="body" idx="1"/>
+          </p:nvPr>
+        </p:nvSpPr>
+        <p:spPr/>
+        <p:txBody>
+          <a:bodyPr/>
+          <a:lstStyle/>
+          <a:p>
+            <a:endParaRPr lang="en-US" b="0" dirty="0">
+              <a:solidFill>
+                <a:srgbClr val="CCCCCC"/>
+              </a:solidFill>
+              <a:effectLst/>
+              <a:latin typeface="Menlo" panose="020B0609030804020204" pitchFamily="49" charset="0"/>
+            </a:endParaRPr>
+          </a:p>
+        </p:txBody>
+      </p:sp>
+      <p:sp>
+        <p:nvSpPr>
+          <p:cNvPr id="4" name="Slide Number Placeholder 3">
+            <a:extLst>
+              <a:ext uri="{FF2B5EF4-FFF2-40B4-BE49-F238E27FC236}">
+                <a16:creationId xmlns:a16="http://schemas.microsoft.com/office/drawing/2014/main" id="{9F3FD3E1-ECA8-7789-76B9-A150DB6276EE}"/>
+              </a:ext>
+            </a:extLst>
+          </p:cNvPr>
+          <p:cNvSpPr>
+            <a:spLocks noGrp="1"/>
+          </p:cNvSpPr>
+          <p:nvPr>
+            <p:ph type="sldNum" sz="quarter" idx="5"/>
+          </p:nvPr>
+        </p:nvSpPr>
+        <p:spPr/>
+        <p:txBody>
+          <a:bodyPr/>
+          <a:lstStyle/>
+          <a:p>
+            <a:fld id="{061BAA8C-FDC6-D345-B4E0-3B02449209FB}" type="slidenum">
+              <a:rPr lang="en-US" smtClean="0"/>
+              <a:t>10</a:t>
+            </a:fld>
+            <a:endParaRPr lang="en-US"/>
+          </a:p>
+        </p:txBody>
+      </p:sp>
+    </p:spTree>
+    <p:extLst>
+      <p:ext uri="{BB962C8B-B14F-4D97-AF65-F5344CB8AC3E}">
+        <p14:creationId xmlns:p14="http://schemas.microsoft.com/office/powerpoint/2010/main" val="1900103808"/>
+      </p:ext>
+    </p:extLst>
+  </p:cSld>
+  <p:clrMapOvr>
+    <a:masterClrMapping/>
+  </p:clrMapOvr>
+</p:notes>
+</file>
+
 <file path=ppt/notesSlides/notesSlide2.xml><?xml version="1.0" encoding="utf-8"?>
 <p:notes xmlns:a="http://schemas.openxmlformats.org/drawingml/2006/main" xmlns:r="http://schemas.openxmlformats.org/officeDocument/2006/relationships" xmlns:p="http://schemas.openxmlformats.org/presentationml/2006/main">
   <p:cSld>
@@ -1664,56 +1779,6 @@
               <a:tabLst/>
               <a:defRPr/>
             </a:pPr>
-            <a:r>
-              <a:rPr lang="en-US" dirty="0">
-                <a:solidFill>
-                  <a:srgbClr val="000000"/>
-                </a:solidFill>
-                <a:effectLst/>
-                <a:latin typeface="Menlo" panose="020B0609030804020204" pitchFamily="49" charset="0"/>
-              </a:rPr>
-              <a:t>--</a:t>
-            </a:r>
-            <a:r>
-              <a:rPr lang="en-US" dirty="0" err="1">
-                <a:solidFill>
-                  <a:srgbClr val="000000"/>
-                </a:solidFill>
-                <a:effectLst/>
-                <a:latin typeface="Menlo" panose="020B0609030804020204" pitchFamily="49" charset="0"/>
-              </a:rPr>
-              <a:t>min_coverage</a:t>
-            </a:r>
-            <a:r>
-              <a:rPr lang="en-US" dirty="0">
-                <a:solidFill>
-                  <a:srgbClr val="000000"/>
-                </a:solidFill>
-                <a:effectLst/>
-                <a:latin typeface="Menlo" panose="020B0609030804020204" pitchFamily="49" charset="0"/>
-              </a:rPr>
-              <a:t> 20 (was 8 previously, default) --min-var-</a:t>
-            </a:r>
-            <a:r>
-              <a:rPr lang="en-US" dirty="0" err="1">
-                <a:solidFill>
-                  <a:srgbClr val="000000"/>
-                </a:solidFill>
-                <a:effectLst/>
-                <a:latin typeface="Menlo" panose="020B0609030804020204" pitchFamily="49" charset="0"/>
-              </a:rPr>
-              <a:t>freq</a:t>
-            </a:r>
-            <a:r>
-              <a:rPr lang="en-US" dirty="0">
-                <a:solidFill>
-                  <a:srgbClr val="000000"/>
-                </a:solidFill>
-                <a:effectLst/>
-                <a:latin typeface="Menlo" panose="020B0609030804020204" pitchFamily="49" charset="0"/>
-              </a:rPr>
-              <a:t> 0.01 --p-value 0.1 (was 0.99 previously, default)</a:t>
-            </a:r>
             <a:endParaRPr lang="en-US" b="0" dirty="0">
               <a:solidFill>
                 <a:srgbClr val="CCCCCC"/>
@@ -1721,464 +1786,6 @@
               <a:effectLst/>
               <a:latin typeface="Menlo" panose="020B0609030804020204" pitchFamily="49" charset="0"/>
             </a:endParaRPr>
-          </a:p>
-          <a:p>
-            <a:endParaRPr lang="en-US" b="0" dirty="0">
-              <a:solidFill>
-                <a:srgbClr val="CCCCCC"/>
-              </a:solidFill>
-              <a:effectLst/>
-              <a:latin typeface="Menlo" panose="020B0609030804020204" pitchFamily="49" charset="0"/>
-            </a:endParaRPr>
-          </a:p>
-          <a:p>
-            <a:r>
-              <a:rPr lang="en-US" b="0" dirty="0">
-                <a:solidFill>
-                  <a:srgbClr val="CCCCCC"/>
-                </a:solidFill>
-                <a:effectLst/>
-                <a:latin typeface="Menlo" panose="020B0609030804020204" pitchFamily="49" charset="0"/>
-              </a:rPr>
-              <a:t>AND</a:t>
-            </a:r>
-          </a:p>
-          <a:p>
-            <a:endParaRPr lang="en-US" b="0" dirty="0">
-              <a:solidFill>
-                <a:srgbClr val="CCCCCC"/>
-              </a:solidFill>
-              <a:effectLst/>
-              <a:latin typeface="Menlo" panose="020B0609030804020204" pitchFamily="49" charset="0"/>
-            </a:endParaRPr>
-          </a:p>
-          <a:p>
-            <a:r>
-              <a:rPr lang="en-US" b="0" dirty="0">
-                <a:solidFill>
-                  <a:srgbClr val="CCCCCC"/>
-                </a:solidFill>
-                <a:effectLst/>
-                <a:latin typeface="Menlo" panose="020B0609030804020204" pitchFamily="49" charset="0"/>
-              </a:rPr>
-              <a:t>Now filtering based on ref AND var</a:t>
-            </a:r>
-          </a:p>
-          <a:p>
-            <a:r>
-              <a:rPr lang="en-US" b="0" dirty="0">
-                <a:solidFill>
-                  <a:srgbClr val="CCCCCC"/>
-                </a:solidFill>
-                <a:effectLst/>
-                <a:latin typeface="Menlo" panose="020B0609030804020204" pitchFamily="49" charset="0"/>
-              </a:rPr>
-              <a:t> </a:t>
-            </a:r>
-            <a:r>
-              <a:rPr lang="en-US" b="0" dirty="0" err="1">
-                <a:solidFill>
-                  <a:srgbClr val="CCCCCC"/>
-                </a:solidFill>
-                <a:effectLst/>
-                <a:latin typeface="Menlo" panose="020B0609030804020204" pitchFamily="49" charset="0"/>
-              </a:rPr>
-              <a:t>var_supporting_reads_on_plus_strand</a:t>
-            </a:r>
-            <a:r>
-              <a:rPr lang="en-US" b="0" dirty="0">
-                <a:solidFill>
-                  <a:srgbClr val="CCCCCC"/>
-                </a:solidFill>
-                <a:effectLst/>
-                <a:latin typeface="Menlo" panose="020B0609030804020204" pitchFamily="49" charset="0"/>
-              </a:rPr>
-              <a:t> &gt; 2,</a:t>
-            </a:r>
-          </a:p>
-          <a:p>
-            <a:r>
-              <a:rPr lang="en-US" b="0" dirty="0">
-                <a:solidFill>
-                  <a:srgbClr val="CCCCCC"/>
-                </a:solidFill>
-                <a:effectLst/>
-                <a:latin typeface="Menlo" panose="020B0609030804020204" pitchFamily="49" charset="0"/>
-              </a:rPr>
-              <a:t>         </a:t>
-            </a:r>
-            <a:r>
-              <a:rPr lang="en-US" b="0" dirty="0" err="1">
-                <a:solidFill>
-                  <a:srgbClr val="CCCCCC"/>
-                </a:solidFill>
-                <a:effectLst/>
-                <a:latin typeface="Menlo" panose="020B0609030804020204" pitchFamily="49" charset="0"/>
-              </a:rPr>
-              <a:t>var_supporting_reads_on_minus_strand</a:t>
-            </a:r>
-            <a:r>
-              <a:rPr lang="en-US" b="0" dirty="0">
-                <a:solidFill>
-                  <a:srgbClr val="CCCCCC"/>
-                </a:solidFill>
-                <a:effectLst/>
-                <a:latin typeface="Menlo" panose="020B0609030804020204" pitchFamily="49" charset="0"/>
-              </a:rPr>
-              <a:t> &gt; 2,</a:t>
-            </a:r>
-          </a:p>
-          <a:p>
-            <a:r>
-              <a:rPr lang="en-US" b="0" dirty="0">
-                <a:solidFill>
-                  <a:srgbClr val="CCCCCC"/>
-                </a:solidFill>
-                <a:effectLst/>
-                <a:latin typeface="Menlo" panose="020B0609030804020204" pitchFamily="49" charset="0"/>
-              </a:rPr>
-              <a:t>         </a:t>
-            </a:r>
-            <a:r>
-              <a:rPr lang="en-US" b="0" dirty="0" err="1">
-                <a:solidFill>
-                  <a:srgbClr val="CCCCCC"/>
-                </a:solidFill>
-                <a:effectLst/>
-                <a:latin typeface="Menlo" panose="020B0609030804020204" pitchFamily="49" charset="0"/>
-              </a:rPr>
-              <a:t>ref_supporting_reads_on_plus_strand</a:t>
-            </a:r>
-            <a:r>
-              <a:rPr lang="en-US" b="0" dirty="0">
-                <a:solidFill>
-                  <a:srgbClr val="CCCCCC"/>
-                </a:solidFill>
-                <a:effectLst/>
-                <a:latin typeface="Menlo" panose="020B0609030804020204" pitchFamily="49" charset="0"/>
-              </a:rPr>
-              <a:t> &gt; 2,</a:t>
-            </a:r>
-          </a:p>
-          <a:p>
-            <a:r>
-              <a:rPr lang="en-US" b="0" dirty="0">
-                <a:solidFill>
-                  <a:srgbClr val="CCCCCC"/>
-                </a:solidFill>
-                <a:effectLst/>
-                <a:latin typeface="Menlo" panose="020B0609030804020204" pitchFamily="49" charset="0"/>
-              </a:rPr>
-              <a:t>         </a:t>
-            </a:r>
-            <a:r>
-              <a:rPr lang="en-US" b="0" dirty="0" err="1">
-                <a:solidFill>
-                  <a:srgbClr val="CCCCCC"/>
-                </a:solidFill>
-                <a:effectLst/>
-                <a:latin typeface="Menlo" panose="020B0609030804020204" pitchFamily="49" charset="0"/>
-              </a:rPr>
-              <a:t>ref_supporting_reads_on_minus_strand</a:t>
-            </a:r>
-            <a:r>
-              <a:rPr lang="en-US" b="0" dirty="0">
-                <a:solidFill>
-                  <a:srgbClr val="CCCCCC"/>
-                </a:solidFill>
-                <a:effectLst/>
-                <a:latin typeface="Menlo" panose="020B0609030804020204" pitchFamily="49" charset="0"/>
-              </a:rPr>
-              <a:t> &gt; 2,</a:t>
-            </a:r>
-          </a:p>
-          <a:p>
-            <a:r>
-              <a:rPr lang="en-US" b="0" dirty="0">
-                <a:solidFill>
-                  <a:srgbClr val="CCCCCC"/>
-                </a:solidFill>
-                <a:effectLst/>
-                <a:latin typeface="Menlo" panose="020B0609030804020204" pitchFamily="49" charset="0"/>
-              </a:rPr>
-              <a:t>         </a:t>
-            </a:r>
-            <a:r>
-              <a:rPr lang="en-US" b="0" dirty="0" err="1">
-                <a:solidFill>
-                  <a:srgbClr val="CCCCCC"/>
-                </a:solidFill>
-                <a:effectLst/>
-                <a:latin typeface="Menlo" panose="020B0609030804020204" pitchFamily="49" charset="0"/>
-              </a:rPr>
-              <a:t>var_supporting_reads_on_plus_strand</a:t>
-            </a:r>
-            <a:r>
-              <a:rPr lang="en-US" b="0" dirty="0">
-                <a:solidFill>
-                  <a:srgbClr val="CCCCCC"/>
-                </a:solidFill>
-                <a:effectLst/>
-                <a:latin typeface="Menlo" panose="020B0609030804020204" pitchFamily="49" charset="0"/>
-              </a:rPr>
-              <a:t> / (</a:t>
-            </a:r>
-            <a:r>
-              <a:rPr lang="en-US" b="0" dirty="0" err="1">
-                <a:solidFill>
-                  <a:srgbClr val="CCCCCC"/>
-                </a:solidFill>
-                <a:effectLst/>
-                <a:latin typeface="Menlo" panose="020B0609030804020204" pitchFamily="49" charset="0"/>
-              </a:rPr>
-              <a:t>var_supporting_reads_on_plus_strand</a:t>
-            </a:r>
-            <a:r>
-              <a:rPr lang="en-US" b="0" dirty="0">
-                <a:solidFill>
-                  <a:srgbClr val="CCCCCC"/>
-                </a:solidFill>
-                <a:effectLst/>
-                <a:latin typeface="Menlo" panose="020B0609030804020204" pitchFamily="49" charset="0"/>
-              </a:rPr>
-              <a:t> + </a:t>
-            </a:r>
-            <a:r>
-              <a:rPr lang="en-US" b="0" dirty="0" err="1">
-                <a:solidFill>
-                  <a:srgbClr val="CCCCCC"/>
-                </a:solidFill>
-                <a:effectLst/>
-                <a:latin typeface="Menlo" panose="020B0609030804020204" pitchFamily="49" charset="0"/>
-              </a:rPr>
-              <a:t>var_supporting_reads_on_minus_strand</a:t>
-            </a:r>
-            <a:r>
-              <a:rPr lang="en-US" b="0" dirty="0">
-                <a:solidFill>
-                  <a:srgbClr val="CCCCCC"/>
-                </a:solidFill>
-                <a:effectLst/>
-                <a:latin typeface="Menlo" panose="020B0609030804020204" pitchFamily="49" charset="0"/>
-              </a:rPr>
-              <a:t>) &gt; 0.3,</a:t>
-            </a:r>
-          </a:p>
-          <a:p>
-            <a:r>
-              <a:rPr lang="en-US" b="0" dirty="0">
-                <a:solidFill>
-                  <a:srgbClr val="CCCCCC"/>
-                </a:solidFill>
-                <a:effectLst/>
-                <a:latin typeface="Menlo" panose="020B0609030804020204" pitchFamily="49" charset="0"/>
-              </a:rPr>
-              <a:t>         </a:t>
-            </a:r>
-            <a:r>
-              <a:rPr lang="en-US" b="0" dirty="0" err="1">
-                <a:solidFill>
-                  <a:srgbClr val="CCCCCC"/>
-                </a:solidFill>
-                <a:effectLst/>
-                <a:latin typeface="Menlo" panose="020B0609030804020204" pitchFamily="49" charset="0"/>
-              </a:rPr>
-              <a:t>var_supporting_reads_on_plus_strand</a:t>
-            </a:r>
-            <a:r>
-              <a:rPr lang="en-US" b="0" dirty="0">
-                <a:solidFill>
-                  <a:srgbClr val="CCCCCC"/>
-                </a:solidFill>
-                <a:effectLst/>
-                <a:latin typeface="Menlo" panose="020B0609030804020204" pitchFamily="49" charset="0"/>
-              </a:rPr>
-              <a:t> / (</a:t>
-            </a:r>
-            <a:r>
-              <a:rPr lang="en-US" b="0" dirty="0" err="1">
-                <a:solidFill>
-                  <a:srgbClr val="CCCCCC"/>
-                </a:solidFill>
-                <a:effectLst/>
-                <a:latin typeface="Menlo" panose="020B0609030804020204" pitchFamily="49" charset="0"/>
-              </a:rPr>
-              <a:t>var_supporting_reads_on_plus_strand</a:t>
-            </a:r>
-            <a:r>
-              <a:rPr lang="en-US" b="0" dirty="0">
-                <a:solidFill>
-                  <a:srgbClr val="CCCCCC"/>
-                </a:solidFill>
-                <a:effectLst/>
-                <a:latin typeface="Menlo" panose="020B0609030804020204" pitchFamily="49" charset="0"/>
-              </a:rPr>
-              <a:t> + </a:t>
-            </a:r>
-            <a:r>
-              <a:rPr lang="en-US" b="0" dirty="0" err="1">
-                <a:solidFill>
-                  <a:srgbClr val="CCCCCC"/>
-                </a:solidFill>
-                <a:effectLst/>
-                <a:latin typeface="Menlo" panose="020B0609030804020204" pitchFamily="49" charset="0"/>
-              </a:rPr>
-              <a:t>var_supporting_reads_on_minus_strand</a:t>
-            </a:r>
-            <a:r>
-              <a:rPr lang="en-US" b="0" dirty="0">
-                <a:solidFill>
-                  <a:srgbClr val="CCCCCC"/>
-                </a:solidFill>
-                <a:effectLst/>
-                <a:latin typeface="Menlo" panose="020B0609030804020204" pitchFamily="49" charset="0"/>
-              </a:rPr>
-              <a:t>) &lt; 0.7,</a:t>
-            </a:r>
-          </a:p>
-          <a:p>
-            <a:r>
-              <a:rPr lang="en-US" b="0" dirty="0">
-                <a:solidFill>
-                  <a:srgbClr val="CCCCCC"/>
-                </a:solidFill>
-                <a:effectLst/>
-                <a:latin typeface="Menlo" panose="020B0609030804020204" pitchFamily="49" charset="0"/>
-              </a:rPr>
-              <a:t>         </a:t>
-            </a:r>
-            <a:r>
-              <a:rPr lang="en-US" b="0" dirty="0" err="1">
-                <a:solidFill>
-                  <a:srgbClr val="CCCCCC"/>
-                </a:solidFill>
-                <a:effectLst/>
-                <a:latin typeface="Menlo" panose="020B0609030804020204" pitchFamily="49" charset="0"/>
-              </a:rPr>
-              <a:t>ref_supporting_reads_on_plus_strand</a:t>
-            </a:r>
-            <a:r>
-              <a:rPr lang="en-US" b="0" dirty="0">
-                <a:solidFill>
-                  <a:srgbClr val="CCCCCC"/>
-                </a:solidFill>
-                <a:effectLst/>
-                <a:latin typeface="Menlo" panose="020B0609030804020204" pitchFamily="49" charset="0"/>
-              </a:rPr>
-              <a:t> / (</a:t>
-            </a:r>
-            <a:r>
-              <a:rPr lang="en-US" b="0" dirty="0" err="1">
-                <a:solidFill>
-                  <a:srgbClr val="CCCCCC"/>
-                </a:solidFill>
-                <a:effectLst/>
-                <a:latin typeface="Menlo" panose="020B0609030804020204" pitchFamily="49" charset="0"/>
-              </a:rPr>
-              <a:t>ref_supporting_reads_on_plus_strand</a:t>
-            </a:r>
-            <a:r>
-              <a:rPr lang="en-US" b="0" dirty="0">
-                <a:solidFill>
-                  <a:srgbClr val="CCCCCC"/>
-                </a:solidFill>
-                <a:effectLst/>
-                <a:latin typeface="Menlo" panose="020B0609030804020204" pitchFamily="49" charset="0"/>
-              </a:rPr>
-              <a:t> + </a:t>
-            </a:r>
-            <a:r>
-              <a:rPr lang="en-US" b="0" dirty="0" err="1">
-                <a:solidFill>
-                  <a:srgbClr val="CCCCCC"/>
-                </a:solidFill>
-                <a:effectLst/>
-                <a:latin typeface="Menlo" panose="020B0609030804020204" pitchFamily="49" charset="0"/>
-              </a:rPr>
-              <a:t>ref_supporting_reads_on_minus_strand</a:t>
-            </a:r>
-            <a:r>
-              <a:rPr lang="en-US" b="0" dirty="0">
-                <a:solidFill>
-                  <a:srgbClr val="CCCCCC"/>
-                </a:solidFill>
-                <a:effectLst/>
-                <a:latin typeface="Menlo" panose="020B0609030804020204" pitchFamily="49" charset="0"/>
-              </a:rPr>
-              <a:t>) &gt; 0.3,</a:t>
-            </a:r>
-          </a:p>
-          <a:p>
-            <a:r>
-              <a:rPr lang="en-US" b="0" dirty="0">
-                <a:solidFill>
-                  <a:srgbClr val="CCCCCC"/>
-                </a:solidFill>
-                <a:effectLst/>
-                <a:latin typeface="Menlo" panose="020B0609030804020204" pitchFamily="49" charset="0"/>
-              </a:rPr>
-              <a:t>         </a:t>
-            </a:r>
-            <a:r>
-              <a:rPr lang="en-US" b="0" dirty="0" err="1">
-                <a:solidFill>
-                  <a:srgbClr val="CCCCCC"/>
-                </a:solidFill>
-                <a:effectLst/>
-                <a:latin typeface="Menlo" panose="020B0609030804020204" pitchFamily="49" charset="0"/>
-              </a:rPr>
-              <a:t>ref_supporting_reads_on_plus_strand</a:t>
-            </a:r>
-            <a:r>
-              <a:rPr lang="en-US" b="0" dirty="0">
-                <a:solidFill>
-                  <a:srgbClr val="CCCCCC"/>
-                </a:solidFill>
-                <a:effectLst/>
-                <a:latin typeface="Menlo" panose="020B0609030804020204" pitchFamily="49" charset="0"/>
-              </a:rPr>
-              <a:t> / (</a:t>
-            </a:r>
-            <a:r>
-              <a:rPr lang="en-US" b="0" dirty="0" err="1">
-                <a:solidFill>
-                  <a:srgbClr val="CCCCCC"/>
-                </a:solidFill>
-                <a:effectLst/>
-                <a:latin typeface="Menlo" panose="020B0609030804020204" pitchFamily="49" charset="0"/>
-              </a:rPr>
-              <a:t>ref_supporting_reads_on_plus_strand</a:t>
-            </a:r>
-            <a:r>
-              <a:rPr lang="en-US" b="0" dirty="0">
-                <a:solidFill>
-                  <a:srgbClr val="CCCCCC"/>
-                </a:solidFill>
-                <a:effectLst/>
-                <a:latin typeface="Menlo" panose="020B0609030804020204" pitchFamily="49" charset="0"/>
-              </a:rPr>
-              <a:t> + </a:t>
-            </a:r>
-            <a:r>
-              <a:rPr lang="en-US" b="0" dirty="0" err="1">
-                <a:solidFill>
-                  <a:srgbClr val="CCCCCC"/>
-                </a:solidFill>
-                <a:effectLst/>
-                <a:latin typeface="Menlo" panose="020B0609030804020204" pitchFamily="49" charset="0"/>
-              </a:rPr>
-              <a:t>ref_supporting_reads_on_minus_strand</a:t>
-            </a:r>
-            <a:r>
-              <a:rPr lang="en-US" b="0" dirty="0">
-                <a:solidFill>
-                  <a:srgbClr val="CCCCCC"/>
-                </a:solidFill>
-                <a:effectLst/>
-                <a:latin typeface="Menlo" panose="020B0609030804020204" pitchFamily="49" charset="0"/>
-              </a:rPr>
-              <a:t>) &lt; 0.7)</a:t>
-            </a:r>
           </a:p>
         </p:txBody>
       </p:sp>
@@ -2223,13 +1830,7 @@
   <p:cSld>
     <p:spTree>
       <p:nvGrpSpPr>
-        <p:cNvPr id="1" name="">
-          <a:extLst>
-            <a:ext uri="{FF2B5EF4-FFF2-40B4-BE49-F238E27FC236}">
-              <a16:creationId xmlns:a16="http://schemas.microsoft.com/office/drawing/2014/main" id="{3415C166-0F50-E043-8950-9F266C4565AE}"/>
-            </a:ext>
-          </a:extLst>
-        </p:cNvPr>
+        <p:cNvPr id="1" name=""/>
         <p:cNvGrpSpPr/>
         <p:nvPr/>
       </p:nvGrpSpPr>
@@ -2243,13 +1844,7 @@
       </p:grpSpPr>
       <p:sp>
         <p:nvSpPr>
-          <p:cNvPr id="2" name="Slide Image Placeholder 1">
-            <a:extLst>
-              <a:ext uri="{FF2B5EF4-FFF2-40B4-BE49-F238E27FC236}">
-                <a16:creationId xmlns:a16="http://schemas.microsoft.com/office/drawing/2014/main" id="{1E497E09-6D11-D0BA-D2D1-5B08FB997731}"/>
-              </a:ext>
-            </a:extLst>
-          </p:cNvPr>
+          <p:cNvPr id="2" name="Slide Image Placeholder 1"/>
           <p:cNvSpPr>
             <a:spLocks noGrp="1" noRot="1" noChangeAspect="1"/>
           </p:cNvSpPr>
@@ -2261,13 +1856,7 @@
       </p:sp>
       <p:sp>
         <p:nvSpPr>
-          <p:cNvPr id="3" name="Notes Placeholder 2">
-            <a:extLst>
-              <a:ext uri="{FF2B5EF4-FFF2-40B4-BE49-F238E27FC236}">
-                <a16:creationId xmlns:a16="http://schemas.microsoft.com/office/drawing/2014/main" id="{9336C4A5-58A4-D062-54A6-1D67A978E992}"/>
-              </a:ext>
-            </a:extLst>
-          </p:cNvPr>
+          <p:cNvPr id="3" name="Notes Placeholder 2"/>
           <p:cNvSpPr>
             <a:spLocks noGrp="1"/>
           </p:cNvSpPr>
@@ -2280,28 +1869,36 @@
           <a:bodyPr/>
           <a:lstStyle/>
           <a:p>
-            <a:r>
-              <a:rPr lang="en-US" b="0" dirty="0">
-                <a:solidFill>
-                  <a:srgbClr val="CCCCCC"/>
-                </a:solidFill>
-                <a:effectLst/>
-                <a:latin typeface="Menlo" panose="020B0609030804020204" pitchFamily="49" charset="0"/>
-              </a:rPr>
-              <a:t>TIGIT+KLRG1+ = TIGIT &gt; 0, KLRG1 &gt; 0 (normalized counts)</a:t>
-            </a:r>
-          </a:p>
-        </p:txBody>
-      </p:sp>
-      <p:sp>
-        <p:nvSpPr>
-          <p:cNvPr id="4" name="Slide Number Placeholder 3">
-            <a:extLst>
-              <a:ext uri="{FF2B5EF4-FFF2-40B4-BE49-F238E27FC236}">
-                <a16:creationId xmlns:a16="http://schemas.microsoft.com/office/drawing/2014/main" id="{9F3FD3E1-ECA8-7789-76B9-A150DB6276EE}"/>
-              </a:ext>
-            </a:extLst>
-          </p:cNvPr>
+            <a:pPr marL="0" marR="0" lvl="0" indent="0" algn="l" defTabSz="914400" rtl="0" eaLnBrk="1" fontAlgn="auto" latinLnBrk="0" hangingPunct="1">
+              <a:lnSpc>
+                <a:spcPct val="100000"/>
+              </a:lnSpc>
+              <a:spcBef>
+                <a:spcPts val="0"/>
+              </a:spcBef>
+              <a:spcAft>
+                <a:spcPts val="0"/>
+              </a:spcAft>
+              <a:buClrTx/>
+              <a:buSzTx/>
+              <a:buFontTx/>
+              <a:buNone/>
+              <a:tabLst/>
+              <a:defRPr/>
+            </a:pPr>
+            <a:endParaRPr lang="en-US" b="0" dirty="0">
+              <a:solidFill>
+                <a:srgbClr val="CCCCCC"/>
+              </a:solidFill>
+              <a:effectLst/>
+              <a:latin typeface="Menlo" panose="020B0609030804020204" pitchFamily="49" charset="0"/>
+            </a:endParaRPr>
+          </a:p>
+        </p:txBody>
+      </p:sp>
+      <p:sp>
+        <p:nvSpPr>
+          <p:cNvPr id="4" name="Slide Number Placeholder 3"/>
           <p:cNvSpPr>
             <a:spLocks noGrp="1"/>
           </p:cNvSpPr>
@@ -2325,7 +1922,7 @@
     </p:spTree>
     <p:extLst>
       <p:ext uri="{BB962C8B-B14F-4D97-AF65-F5344CB8AC3E}">
-        <p14:creationId xmlns:p14="http://schemas.microsoft.com/office/powerpoint/2010/main" val="1515493454"/>
+        <p14:creationId xmlns:p14="http://schemas.microsoft.com/office/powerpoint/2010/main" val="1484288964"/>
       </p:ext>
     </p:extLst>
   </p:cSld>
@@ -2439,7 +2036,7 @@
     </p:spTree>
     <p:extLst>
       <p:ext uri="{BB962C8B-B14F-4D97-AF65-F5344CB8AC3E}">
-        <p14:creationId xmlns:p14="http://schemas.microsoft.com/office/powerpoint/2010/main" val="1900103808"/>
+        <p14:creationId xmlns:p14="http://schemas.microsoft.com/office/powerpoint/2010/main" val="1515493454"/>
       </p:ext>
     </p:extLst>
   </p:cSld>
@@ -2596,7 +2193,7 @@
           <a:p>
             <a:fld id="{80FC6068-BAFB-FC44-B9D8-F4B3BB105DE6}" type="datetimeFigureOut">
               <a:rPr lang="en-US" smtClean="0"/>
-              <a:t>6/11/24</a:t>
+              <a:t>6/12/24</a:t>
             </a:fld>
             <a:endParaRPr lang="en-US"/>
           </a:p>
@@ -2794,7 +2391,7 @@
           <a:p>
             <a:fld id="{80FC6068-BAFB-FC44-B9D8-F4B3BB105DE6}" type="datetimeFigureOut">
               <a:rPr lang="en-US" smtClean="0"/>
-              <a:t>6/11/24</a:t>
+              <a:t>6/12/24</a:t>
             </a:fld>
             <a:endParaRPr lang="en-US"/>
           </a:p>
@@ -3002,7 +2599,7 @@
           <a:p>
             <a:fld id="{80FC6068-BAFB-FC44-B9D8-F4B3BB105DE6}" type="datetimeFigureOut">
               <a:rPr lang="en-US" smtClean="0"/>
-              <a:t>6/11/24</a:t>
+              <a:t>6/12/24</a:t>
             </a:fld>
             <a:endParaRPr lang="en-US"/>
           </a:p>
@@ -3206,7 +2803,7 @@
           <a:p>
             <a:fld id="{80FC6068-BAFB-FC44-B9D8-F4B3BB105DE6}" type="datetimeFigureOut">
               <a:rPr lang="en-US" smtClean="0"/>
-              <a:t>6/11/24</a:t>
+              <a:t>6/12/24</a:t>
             </a:fld>
             <a:endParaRPr lang="en-US"/>
           </a:p>
@@ -3497,7 +3094,7 @@
           <a:p>
             <a:fld id="{80FC6068-BAFB-FC44-B9D8-F4B3BB105DE6}" type="datetimeFigureOut">
               <a:rPr lang="en-US" smtClean="0"/>
-              <a:t>6/11/24</a:t>
+              <a:t>6/12/24</a:t>
             </a:fld>
             <a:endParaRPr lang="en-US"/>
           </a:p>
@@ -3762,7 +3359,7 @@
           <a:p>
             <a:fld id="{80FC6068-BAFB-FC44-B9D8-F4B3BB105DE6}" type="datetimeFigureOut">
               <a:rPr lang="en-US" smtClean="0"/>
-              <a:t>6/11/24</a:t>
+              <a:t>6/12/24</a:t>
             </a:fld>
             <a:endParaRPr lang="en-US"/>
           </a:p>
@@ -4174,7 +3771,7 @@
           <a:p>
             <a:fld id="{80FC6068-BAFB-FC44-B9D8-F4B3BB105DE6}" type="datetimeFigureOut">
               <a:rPr lang="en-US" smtClean="0"/>
-              <a:t>6/11/24</a:t>
+              <a:t>6/12/24</a:t>
             </a:fld>
             <a:endParaRPr lang="en-US"/>
           </a:p>
@@ -4315,7 +3912,7 @@
           <a:p>
             <a:fld id="{80FC6068-BAFB-FC44-B9D8-F4B3BB105DE6}" type="datetimeFigureOut">
               <a:rPr lang="en-US" smtClean="0"/>
-              <a:t>6/11/24</a:t>
+              <a:t>6/12/24</a:t>
             </a:fld>
             <a:endParaRPr lang="en-US"/>
           </a:p>
@@ -4428,7 +4025,7 @@
           <a:p>
             <a:fld id="{80FC6068-BAFB-FC44-B9D8-F4B3BB105DE6}" type="datetimeFigureOut">
               <a:rPr lang="en-US" smtClean="0"/>
-              <a:t>6/11/24</a:t>
+              <a:t>6/12/24</a:t>
             </a:fld>
             <a:endParaRPr lang="en-US"/>
           </a:p>
@@ -4739,7 +4336,7 @@
           <a:p>
             <a:fld id="{80FC6068-BAFB-FC44-B9D8-F4B3BB105DE6}" type="datetimeFigureOut">
               <a:rPr lang="en-US" smtClean="0"/>
-              <a:t>6/11/24</a:t>
+              <a:t>6/12/24</a:t>
             </a:fld>
             <a:endParaRPr lang="en-US"/>
           </a:p>
@@ -5027,7 +4624,7 @@
           <a:p>
             <a:fld id="{80FC6068-BAFB-FC44-B9D8-F4B3BB105DE6}" type="datetimeFigureOut">
               <a:rPr lang="en-US" smtClean="0"/>
-              <a:t>6/11/24</a:t>
+              <a:t>6/12/24</a:t>
             </a:fld>
             <a:endParaRPr lang="en-US"/>
           </a:p>
@@ -5268,7 +4865,7 @@
           <a:p>
             <a:fld id="{80FC6068-BAFB-FC44-B9D8-F4B3BB105DE6}" type="datetimeFigureOut">
               <a:rPr lang="en-US" smtClean="0"/>
-              <a:t>6/11/24</a:t>
+              <a:t>6/12/24</a:t>
             </a:fld>
             <a:endParaRPr lang="en-US"/>
           </a:p>
@@ -5762,6 +5359,283 @@
 </p:sld>
 </file>
 
+<file path=ppt/slides/slide10.xml><?xml version="1.0" encoding="utf-8"?>
+<p:sld xmlns:a="http://schemas.openxmlformats.org/drawingml/2006/main" xmlns:r="http://schemas.openxmlformats.org/officeDocument/2006/relationships" xmlns:p="http://schemas.openxmlformats.org/presentationml/2006/main">
+  <p:cSld>
+    <p:spTree>
+      <p:nvGrpSpPr>
+        <p:cNvPr id="1" name="">
+          <a:extLst>
+            <a:ext uri="{FF2B5EF4-FFF2-40B4-BE49-F238E27FC236}">
+              <a16:creationId xmlns:a16="http://schemas.microsoft.com/office/drawing/2014/main" id="{5F63F271-7169-1115-1EF3-CE3BF477816E}"/>
+            </a:ext>
+          </a:extLst>
+        </p:cNvPr>
+        <p:cNvGrpSpPr/>
+        <p:nvPr/>
+      </p:nvGrpSpPr>
+      <p:grpSpPr>
+        <a:xfrm>
+          <a:off x="0" y="0"/>
+          <a:ext cx="0" cy="0"/>
+          <a:chOff x="0" y="0"/>
+          <a:chExt cx="0" cy="0"/>
+        </a:xfrm>
+      </p:grpSpPr>
+      <p:sp>
+        <p:nvSpPr>
+          <p:cNvPr id="6" name="Title 5">
+            <a:extLst>
+              <a:ext uri="{FF2B5EF4-FFF2-40B4-BE49-F238E27FC236}">
+                <a16:creationId xmlns:a16="http://schemas.microsoft.com/office/drawing/2014/main" id="{B9AD7D28-49C2-0B8B-79CB-FA2C8F40B6BC}"/>
+              </a:ext>
+            </a:extLst>
+          </p:cNvPr>
+          <p:cNvSpPr>
+            <a:spLocks noGrp="1"/>
+          </p:cNvSpPr>
+          <p:nvPr>
+            <p:ph type="title"/>
+          </p:nvPr>
+        </p:nvSpPr>
+        <p:spPr/>
+        <p:txBody>
+          <a:bodyPr/>
+          <a:lstStyle/>
+          <a:p>
+            <a:r>
+              <a:rPr lang="en-US" dirty="0"/>
+              <a:t>Next steps</a:t>
+            </a:r>
+          </a:p>
+        </p:txBody>
+      </p:sp>
+      <p:sp>
+        <p:nvSpPr>
+          <p:cNvPr id="9" name="Content Placeholder 2">
+            <a:extLst>
+              <a:ext uri="{FF2B5EF4-FFF2-40B4-BE49-F238E27FC236}">
+                <a16:creationId xmlns:a16="http://schemas.microsoft.com/office/drawing/2014/main" id="{066FE202-5A44-F498-12FE-18534498ABA6}"/>
+              </a:ext>
+            </a:extLst>
+          </p:cNvPr>
+          <p:cNvSpPr>
+            <a:spLocks noGrp="1"/>
+          </p:cNvSpPr>
+          <p:nvPr>
+            <p:ph idx="1"/>
+          </p:nvPr>
+        </p:nvSpPr>
+        <p:spPr>
+          <a:xfrm>
+            <a:off x="838201" y="1919289"/>
+            <a:ext cx="11040034" cy="4499440"/>
+          </a:xfrm>
+        </p:spPr>
+        <p:txBody>
+          <a:bodyPr>
+            <a:normAutofit fontScale="92500" lnSpcReduction="10000"/>
+          </a:bodyPr>
+          <a:lstStyle/>
+          <a:p>
+            <a:pPr marL="514350" indent="-514350">
+              <a:buFont typeface="+mj-lt"/>
+              <a:buAutoNum type="arabicPeriod"/>
+            </a:pPr>
+            <a:r>
+              <a:rPr lang="en-US" dirty="0"/>
+              <a:t>P576: investigate changes in results post-regressing out covariates (replicate, also cell sort (Tissue) or responder status (Condition) for the other’s analysis)</a:t>
+            </a:r>
+          </a:p>
+          <a:p>
+            <a:pPr marL="971550" lvl="1" indent="-514350">
+              <a:buFont typeface="+mj-lt"/>
+              <a:buAutoNum type="alphaLcParenR"/>
+            </a:pPr>
+            <a:r>
+              <a:rPr lang="en-US" dirty="0"/>
+              <a:t>So far results seem similar (qualitatively) but do expect/observe differences (quantitatively)</a:t>
+            </a:r>
+          </a:p>
+          <a:p>
+            <a:pPr marL="971550" lvl="1" indent="-514350">
+              <a:buFont typeface="+mj-lt"/>
+              <a:buAutoNum type="alphaLcParenR"/>
+            </a:pPr>
+            <a:r>
+              <a:rPr lang="en-US" dirty="0"/>
+              <a:t>Old code</a:t>
+            </a:r>
+          </a:p>
+          <a:p>
+            <a:pPr marL="1428750" lvl="2" indent="-514350">
+              <a:buFont typeface="+mj-lt"/>
+              <a:buAutoNum type="romanLcPeriod"/>
+            </a:pPr>
+            <a:r>
+              <a:rPr lang="en-US" dirty="0"/>
+              <a:t>R vs. NR analysis: </a:t>
+            </a:r>
+            <a:r>
+              <a:rPr lang="en-US" dirty="0" err="1"/>
+              <a:t>consensusPeaks_obj</a:t>
+            </a:r>
+            <a:r>
+              <a:rPr lang="en-US" dirty="0"/>
+              <a:t> = </a:t>
+            </a:r>
+            <a:r>
+              <a:rPr lang="en-US" dirty="0" err="1"/>
+              <a:t>dba.contrast</a:t>
+            </a:r>
+            <a:r>
+              <a:rPr lang="en-US" dirty="0"/>
+              <a:t>(</a:t>
+            </a:r>
+            <a:r>
+              <a:rPr lang="en-US" dirty="0" err="1"/>
+              <a:t>consensusPeaks_obj</a:t>
+            </a:r>
+            <a:r>
+              <a:rPr lang="en-US" dirty="0"/>
+              <a:t>, design = c(“0 + Condition”)</a:t>
+            </a:r>
+          </a:p>
+          <a:p>
+            <a:pPr marL="1428750" lvl="2" indent="-514350">
+              <a:buFont typeface="+mj-lt"/>
+              <a:buAutoNum type="romanLcPeriod"/>
+            </a:pPr>
+            <a:r>
+              <a:rPr lang="en-US" dirty="0"/>
+              <a:t>Cell sort analysis: </a:t>
+            </a:r>
+            <a:r>
+              <a:rPr lang="en-US" dirty="0" err="1"/>
+              <a:t>consensusPeaks_obj</a:t>
+            </a:r>
+            <a:r>
+              <a:rPr lang="en-US" dirty="0"/>
+              <a:t> = </a:t>
+            </a:r>
+            <a:r>
+              <a:rPr lang="en-US" dirty="0" err="1"/>
+              <a:t>dba.contrast</a:t>
+            </a:r>
+            <a:r>
+              <a:rPr lang="en-US" dirty="0"/>
+              <a:t>(</a:t>
+            </a:r>
+            <a:r>
+              <a:rPr lang="en-US" dirty="0" err="1"/>
+              <a:t>consensusPeaks_obj</a:t>
+            </a:r>
+            <a:r>
+              <a:rPr lang="en-US" dirty="0"/>
+              <a:t>, design = c(“0 + Tissue”)</a:t>
+            </a:r>
+          </a:p>
+          <a:p>
+            <a:pPr marL="971550" lvl="1" indent="-514350">
+              <a:buFont typeface="+mj-lt"/>
+              <a:buAutoNum type="alphaLcParenR"/>
+            </a:pPr>
+            <a:r>
+              <a:rPr lang="en-US" dirty="0"/>
+              <a:t>New code (use of design param causes block param to be ignored)</a:t>
+            </a:r>
+          </a:p>
+          <a:p>
+            <a:pPr marL="1428750" lvl="2" indent="-514350">
+              <a:buFont typeface="+mj-lt"/>
+              <a:buAutoNum type="romanLcPeriod"/>
+            </a:pPr>
+            <a:r>
+              <a:rPr lang="en-US" dirty="0"/>
+              <a:t>R vs. NR analysis: </a:t>
+            </a:r>
+            <a:r>
+              <a:rPr lang="en-US" dirty="0" err="1"/>
+              <a:t>consensusPeaks_obj</a:t>
+            </a:r>
+            <a:r>
+              <a:rPr lang="en-US" dirty="0"/>
+              <a:t> = </a:t>
+            </a:r>
+            <a:r>
+              <a:rPr lang="en-US" dirty="0" err="1"/>
+              <a:t>dba.contrast</a:t>
+            </a:r>
+            <a:r>
+              <a:rPr lang="en-US" dirty="0"/>
+              <a:t>(</a:t>
+            </a:r>
+            <a:r>
+              <a:rPr lang="en-US" dirty="0" err="1"/>
+              <a:t>consensusPeaks_obj</a:t>
+            </a:r>
+            <a:r>
+              <a:rPr lang="en-US" dirty="0"/>
+              <a:t>, categories = DBA_CONDITION, block = c(DBA_REPLICATE, DBA_TISSUE), </a:t>
+            </a:r>
+            <a:r>
+              <a:rPr lang="en-US" dirty="0" err="1"/>
+              <a:t>reorderMeta</a:t>
+            </a:r>
+            <a:r>
+              <a:rPr lang="en-US" dirty="0"/>
+              <a:t> = list(Condition = “Yes”))</a:t>
+            </a:r>
+          </a:p>
+          <a:p>
+            <a:pPr marL="1428750" lvl="2" indent="-514350">
+              <a:buFont typeface="+mj-lt"/>
+              <a:buAutoNum type="romanLcPeriod"/>
+            </a:pPr>
+            <a:r>
+              <a:rPr lang="en-US" dirty="0"/>
+              <a:t>Cell sort analysis: </a:t>
+            </a:r>
+            <a:r>
+              <a:rPr lang="en-US" dirty="0" err="1"/>
+              <a:t>consensusPeaks_obj</a:t>
+            </a:r>
+            <a:r>
+              <a:rPr lang="en-US" dirty="0"/>
+              <a:t> = </a:t>
+            </a:r>
+            <a:r>
+              <a:rPr lang="en-US" dirty="0" err="1"/>
+              <a:t>dba.contrast</a:t>
+            </a:r>
+            <a:r>
+              <a:rPr lang="en-US" dirty="0"/>
+              <a:t>(</a:t>
+            </a:r>
+            <a:r>
+              <a:rPr lang="en-US" dirty="0" err="1"/>
+              <a:t>consensusPeaks_obj</a:t>
+            </a:r>
+            <a:r>
+              <a:rPr lang="en-US" dirty="0"/>
+              <a:t>, categories = DBA_TISSUE, block = c(DBA_REPLICATE, DBA_CONDITION))</a:t>
+            </a:r>
+          </a:p>
+        </p:txBody>
+      </p:sp>
+    </p:spTree>
+    <p:extLst>
+      <p:ext uri="{BB962C8B-B14F-4D97-AF65-F5344CB8AC3E}">
+        <p14:creationId xmlns:p14="http://schemas.microsoft.com/office/powerpoint/2010/main" val="542699979"/>
+      </p:ext>
+    </p:extLst>
+  </p:cSld>
+  <p:clrMapOvr>
+    <a:masterClrMapping/>
+  </p:clrMapOvr>
+</p:sld>
+</file>
+
 <file path=ppt/slides/slide2.xml><?xml version="1.0" encoding="utf-8"?>
 <p:sld xmlns:a="http://schemas.openxmlformats.org/drawingml/2006/main" xmlns:r="http://schemas.openxmlformats.org/officeDocument/2006/relationships" xmlns:p="http://schemas.openxmlformats.org/presentationml/2006/main">
   <p:cSld>
@@ -5842,7 +5716,30 @@
           </a:bodyPr>
           <a:lstStyle/>
           <a:p>
-            <a:endParaRPr lang="en-US" dirty="0"/>
+            <a:r>
+              <a:rPr lang="en-US" dirty="0"/>
+              <a:t>P576</a:t>
+            </a:r>
+          </a:p>
+          <a:p>
+            <a:pPr lvl="1">
+              <a:buFont typeface="Courier New" panose="02070309020205020404" pitchFamily="49" charset="0"/>
+              <a:buChar char="o"/>
+            </a:pPr>
+            <a:r>
+              <a:rPr lang="en-US" dirty="0"/>
+              <a:t>MT sequence variant analyses</a:t>
+            </a:r>
+          </a:p>
+          <a:p>
+            <a:pPr lvl="1">
+              <a:buFont typeface="Courier New" panose="02070309020205020404" pitchFamily="49" charset="0"/>
+              <a:buChar char="o"/>
+            </a:pPr>
+            <a:r>
+              <a:rPr lang="en-US" dirty="0"/>
+              <a:t>R vs. NR DARs (across cell sorts)</a:t>
+            </a:r>
           </a:p>
         </p:txBody>
       </p:sp>
@@ -6463,13 +6360,7 @@
   <p:cSld>
     <p:spTree>
       <p:nvGrpSpPr>
-        <p:cNvPr id="1" name="">
-          <a:extLst>
-            <a:ext uri="{FF2B5EF4-FFF2-40B4-BE49-F238E27FC236}">
-              <a16:creationId xmlns:a16="http://schemas.microsoft.com/office/drawing/2014/main" id="{5F63F271-7169-1115-1EF3-CE3BF477816E}"/>
-            </a:ext>
-          </a:extLst>
-        </p:cNvPr>
+        <p:cNvPr id="1" name=""/>
         <p:cNvGrpSpPr/>
         <p:nvPr/>
       </p:nvGrpSpPr>
@@ -6483,10 +6374,10 @@
       </p:grpSpPr>
       <p:sp>
         <p:nvSpPr>
-          <p:cNvPr id="6" name="Title 5">
-            <a:extLst>
-              <a:ext uri="{FF2B5EF4-FFF2-40B4-BE49-F238E27FC236}">
-                <a16:creationId xmlns:a16="http://schemas.microsoft.com/office/drawing/2014/main" id="{B9AD7D28-49C2-0B8B-79CB-FA2C8F40B6BC}"/>
+          <p:cNvPr id="2" name="Title 1">
+            <a:extLst>
+              <a:ext uri="{FF2B5EF4-FFF2-40B4-BE49-F238E27FC236}">
+                <a16:creationId xmlns:a16="http://schemas.microsoft.com/office/drawing/2014/main" id="{70A4C97D-8F21-3D3B-6A90-EA7145324964}"/>
               </a:ext>
             </a:extLst>
           </p:cNvPr>
@@ -6495,178 +6386,172 @@
           </p:cNvSpPr>
           <p:nvPr>
             <p:ph type="title"/>
-          </p:nvPr>
-        </p:nvSpPr>
-        <p:spPr/>
-        <p:txBody>
-          <a:bodyPr/>
-          <a:lstStyle/>
-          <a:p>
-            <a:r>
-              <a:rPr lang="en-US" dirty="0"/>
-              <a:t>Conclusions</a:t>
-            </a:r>
-          </a:p>
-        </p:txBody>
-      </p:sp>
-      <p:sp>
-        <p:nvSpPr>
-          <p:cNvPr id="9" name="Content Placeholder 2">
-            <a:extLst>
-              <a:ext uri="{FF2B5EF4-FFF2-40B4-BE49-F238E27FC236}">
-                <a16:creationId xmlns:a16="http://schemas.microsoft.com/office/drawing/2014/main" id="{066FE202-5A44-F498-12FE-18534498ABA6}"/>
-              </a:ext>
-            </a:extLst>
-          </p:cNvPr>
-          <p:cNvSpPr>
-            <a:spLocks noGrp="1"/>
-          </p:cNvSpPr>
-          <p:nvPr>
-            <p:ph idx="1"/>
           </p:nvPr>
         </p:nvSpPr>
         <p:spPr>
           <a:xfrm>
-            <a:off x="838201" y="1919289"/>
-            <a:ext cx="11040034" cy="4499440"/>
+            <a:off x="838200" y="716275"/>
+            <a:ext cx="4075409" cy="1325563"/>
           </a:xfrm>
         </p:spPr>
         <p:txBody>
           <a:bodyPr>
-            <a:normAutofit lnSpcReduction="10000"/>
+            <a:noAutofit/>
           </a:bodyPr>
           <a:lstStyle/>
           <a:p>
-            <a:pPr marL="514350" indent="-514350">
-              <a:buFont typeface="+mj-lt"/>
-              <a:buAutoNum type="arabicPeriod"/>
+            <a:r>
+              <a:rPr lang="en-US" sz="2800" dirty="0"/>
+              <a:t>Obtain more DARs between R and NR looking across all cell sorts</a:t>
+            </a:r>
+            <a:endParaRPr lang="en-US" sz="1800" dirty="0"/>
+          </a:p>
+        </p:txBody>
+      </p:sp>
+      <p:pic>
+        <p:nvPicPr>
+          <p:cNvPr id="3" name="Picture 2">
+            <a:extLst>
+              <a:ext uri="{FF2B5EF4-FFF2-40B4-BE49-F238E27FC236}">
+                <a16:creationId xmlns:a16="http://schemas.microsoft.com/office/drawing/2014/main" id="{A66F9DBD-E708-43DC-9464-048EC46CC66B}"/>
+              </a:ext>
+            </a:extLst>
+          </p:cNvPr>
+          <p:cNvPicPr>
+            <a:picLocks noChangeAspect="1"/>
+          </p:cNvPicPr>
+          <p:nvPr/>
+        </p:nvPicPr>
+        <p:blipFill>
+          <a:blip r:embed="rId3"/>
+          <a:stretch>
+            <a:fillRect/>
+          </a:stretch>
+        </p:blipFill>
+        <p:spPr>
+          <a:xfrm>
+            <a:off x="4913609" y="0"/>
+            <a:ext cx="7191305" cy="6858000"/>
+          </a:xfrm>
+          <a:prstGeom prst="rect">
+            <a:avLst/>
+          </a:prstGeom>
+        </p:spPr>
+      </p:pic>
+      <p:sp>
+        <p:nvSpPr>
+          <p:cNvPr id="8" name="TextBox 7">
+            <a:extLst>
+              <a:ext uri="{FF2B5EF4-FFF2-40B4-BE49-F238E27FC236}">
+                <a16:creationId xmlns:a16="http://schemas.microsoft.com/office/drawing/2014/main" id="{522E953E-F4A2-C238-F689-CF8CF307BB47}"/>
+              </a:ext>
+            </a:extLst>
+          </p:cNvPr>
+          <p:cNvSpPr txBox="1"/>
+          <p:nvPr/>
+        </p:nvSpPr>
+        <p:spPr>
+          <a:xfrm>
+            <a:off x="838200" y="2241344"/>
+            <a:ext cx="3988981" cy="1938992"/>
+          </a:xfrm>
+          <a:prstGeom prst="rect">
+            <a:avLst/>
+          </a:prstGeom>
+          <a:noFill/>
+        </p:spPr>
+        <p:txBody>
+          <a:bodyPr wrap="square">
+            <a:spAutoFit/>
+          </a:bodyPr>
+          <a:lstStyle/>
+          <a:p>
+            <a:pPr marL="342900" indent="-342900">
+              <a:buFont typeface="Arial" panose="020B0604020202020204" pitchFamily="34" charset="0"/>
+              <a:buChar char="•"/>
             </a:pPr>
             <a:r>
-              <a:rPr lang="en-US" dirty="0"/>
-              <a:t>TIGIT</a:t>
-            </a:r>
-            <a:r>
-              <a:rPr lang="en-US" baseline="30000" dirty="0"/>
-              <a:t>+</a:t>
-            </a:r>
-            <a:r>
-              <a:rPr lang="en-US" dirty="0"/>
-              <a:t>KLRG1</a:t>
-            </a:r>
-            <a:r>
-              <a:rPr lang="en-US" baseline="30000" dirty="0"/>
-              <a:t>+</a:t>
-            </a:r>
-            <a:r>
-              <a:rPr lang="en-US" dirty="0"/>
-              <a:t> non-naïve CD8 counts not different between </a:t>
-            </a:r>
-            <a:r>
-              <a:rPr lang="en-US" dirty="0" err="1"/>
-              <a:t>irAE</a:t>
-            </a:r>
-            <a:r>
-              <a:rPr lang="en-US" dirty="0"/>
-              <a:t> groups in </a:t>
-            </a:r>
-            <a:r>
-              <a:rPr lang="en-US" dirty="0" err="1"/>
-              <a:t>Luoma</a:t>
-            </a:r>
-            <a:r>
-              <a:rPr lang="en-US" dirty="0"/>
-              <a:t> (2020), </a:t>
-            </a:r>
-            <a:r>
-              <a:rPr lang="en-US" i="1" dirty="0"/>
-              <a:t>Cell</a:t>
-            </a:r>
-            <a:r>
-              <a:rPr lang="en-US" dirty="0"/>
-              <a:t> colitis or Zhu (2022), </a:t>
-            </a:r>
-            <a:r>
-              <a:rPr lang="en-US" i="1" dirty="0"/>
-              <a:t>Circulation</a:t>
-            </a:r>
-            <a:r>
-              <a:rPr lang="en-US" dirty="0"/>
-              <a:t> myocarditis datasets (data not shown)</a:t>
-            </a:r>
-          </a:p>
-          <a:p>
-            <a:pPr marL="514350" indent="-514350">
-              <a:buFont typeface="+mj-lt"/>
-              <a:buAutoNum type="arabicPeriod"/>
+              <a:rPr lang="en-US" sz="1500" dirty="0"/>
+              <a:t>KEGG analysis yielded no enriched pathways</a:t>
+            </a:r>
+          </a:p>
+          <a:p>
+            <a:pPr marL="342900" indent="-342900">
+              <a:buFont typeface="Arial" panose="020B0604020202020204" pitchFamily="34" charset="0"/>
+              <a:buChar char="•"/>
             </a:pPr>
             <a:r>
-              <a:rPr lang="en-US" dirty="0"/>
-              <a:t>Consistent trends across sensitivity analyses</a:t>
-            </a:r>
-          </a:p>
-          <a:p>
-            <a:pPr marL="971550" lvl="1" indent="-514350">
-              <a:buFont typeface="+mj-lt"/>
-              <a:buAutoNum type="alphaLcParenR"/>
+              <a:rPr lang="en-US" sz="1500" dirty="0"/>
+              <a:t>potentially interesting hits</a:t>
+            </a:r>
+          </a:p>
+          <a:p>
+            <a:pPr marL="800100" lvl="1" indent="-342900">
+              <a:buFont typeface="Courier New" panose="02070309020205020404" pitchFamily="49" charset="0"/>
+              <a:buChar char="o"/>
             </a:pPr>
             <a:r>
-              <a:rPr lang="en-US" dirty="0"/>
-              <a:t>DP CD57</a:t>
-            </a:r>
-            <a:r>
-              <a:rPr lang="en-US" baseline="30000" dirty="0"/>
-              <a:t>+</a:t>
-            </a:r>
-            <a:r>
-              <a:rPr lang="en-US" dirty="0"/>
-              <a:t> has the most MT variants, followed by DP PD-1</a:t>
-            </a:r>
-            <a:r>
-              <a:rPr lang="en-US" baseline="30000" dirty="0"/>
-              <a:t>+</a:t>
-            </a:r>
-            <a:r>
-              <a:rPr lang="en-US" dirty="0"/>
-              <a:t>, these are most “terminal”</a:t>
-            </a:r>
-            <a:endParaRPr lang="en-US" baseline="30000" dirty="0"/>
-          </a:p>
-          <a:p>
-            <a:pPr marL="971550" lvl="1" indent="-514350">
-              <a:buFont typeface="+mj-lt"/>
-              <a:buAutoNum type="alphaLcParenR"/>
+              <a:rPr lang="en-US" sz="1500" dirty="0">
+                <a:hlinkClick r:id="rId4"/>
+              </a:rPr>
+              <a:t>BTB16 nearby the </a:t>
+            </a:r>
+            <a:r>
+              <a:rPr lang="en-US" sz="1500" dirty="0">
+                <a:solidFill>
+                  <a:srgbClr val="111111"/>
+                </a:solidFill>
+                <a:effectLst/>
+                <a:hlinkClick r:id="rId4"/>
+              </a:rPr>
+              <a:t>10q26.13 </a:t>
+            </a:r>
+            <a:r>
+              <a:rPr lang="en-US" sz="1500" dirty="0">
+                <a:hlinkClick r:id="rId4"/>
+              </a:rPr>
+              <a:t>T1D susceptibility locus</a:t>
+            </a:r>
+            <a:endParaRPr lang="en-US" sz="1500" dirty="0">
+              <a:hlinkClick r:id="rId5"/>
+            </a:endParaRPr>
+          </a:p>
+          <a:p>
+            <a:pPr marL="800100" lvl="1" indent="-342900">
+              <a:buFont typeface="Courier New" panose="02070309020205020404" pitchFamily="49" charset="0"/>
+              <a:buChar char="o"/>
             </a:pPr>
             <a:r>
-              <a:rPr lang="en-US" dirty="0"/>
-              <a:t>DN/non-exhausted CD127</a:t>
-            </a:r>
-            <a:r>
-              <a:rPr lang="en-US" baseline="30000" dirty="0"/>
-              <a:t>+</a:t>
-            </a:r>
-            <a:r>
-              <a:rPr lang="en-US" dirty="0"/>
-              <a:t> have the least MT variants, these are most like reference</a:t>
-            </a:r>
-          </a:p>
-          <a:p>
-            <a:pPr marL="971550" lvl="1" indent="-514350">
-              <a:buFont typeface="+mj-lt"/>
-              <a:buAutoNum type="alphaLcParenR"/>
+              <a:rPr lang="en-US" sz="1500" dirty="0">
+                <a:hlinkClick r:id="rId5"/>
+              </a:rPr>
+              <a:t>DPYSL4 </a:t>
+            </a:r>
+            <a:r>
+              <a:rPr lang="en-US" sz="1500" dirty="0">
+                <a:hlinkClick r:id="rId6"/>
+              </a:rPr>
+              <a:t>associated</a:t>
+            </a:r>
+            <a:r>
+              <a:rPr lang="en-US" sz="1500" dirty="0">
+                <a:hlinkClick r:id="rId5"/>
+              </a:rPr>
+              <a:t> with T1D progression</a:t>
+            </a:r>
+            <a:r>
+              <a:rPr lang="en-US" sz="1500" dirty="0"/>
+              <a:t>, see figure 2B</a:t>
+            </a:r>
+          </a:p>
+          <a:p>
+            <a:pPr marL="800100" lvl="1" indent="-342900">
+              <a:buFont typeface="Courier New" panose="02070309020205020404" pitchFamily="49" charset="0"/>
+              <a:buChar char="o"/>
             </a:pPr>
             <a:r>
-              <a:rPr lang="en-US" dirty="0"/>
-              <a:t>so, we can conclude that these pairs of sorts are at opposite ends of cell differentiation pathway (consistent with previous evidence/models)</a:t>
-            </a:r>
-          </a:p>
-          <a:p>
-            <a:pPr marL="971550" lvl="1" indent="-514350">
-              <a:buFont typeface="+mj-lt"/>
-              <a:buAutoNum type="alphaLcParenR"/>
-            </a:pPr>
-            <a:r>
-              <a:rPr lang="en-US" dirty="0"/>
-              <a:t>*ideally would be able to use DN as MT reference but lack full DN MT genome sequence</a:t>
+              <a:rPr lang="en-US" sz="1500" dirty="0"/>
+              <a:t>TRBV genes (4-1/2, 5-1, 6-1) less accessible in responders</a:t>
             </a:r>
           </a:p>
         </p:txBody>
@@ -6674,7 +6559,7 @@
     </p:spTree>
     <p:extLst>
       <p:ext uri="{BB962C8B-B14F-4D97-AF65-F5344CB8AC3E}">
-        <p14:creationId xmlns:p14="http://schemas.microsoft.com/office/powerpoint/2010/main" val="3062584362"/>
+        <p14:creationId xmlns:p14="http://schemas.microsoft.com/office/powerpoint/2010/main" val="3492845035"/>
       </p:ext>
     </p:extLst>
   </p:cSld>
@@ -6730,7 +6615,7 @@
           <a:p>
             <a:r>
               <a:rPr lang="en-US" dirty="0"/>
-              <a:t>Next steps</a:t>
+              <a:t>Conclusions</a:t>
             </a:r>
           </a:p>
         </p:txBody>
@@ -6759,9 +6644,178 @@
         </p:spPr>
         <p:txBody>
           <a:bodyPr>
-            <a:normAutofit/>
+            <a:normAutofit fontScale="92500" lnSpcReduction="10000"/>
           </a:bodyPr>
           <a:lstStyle/>
+          <a:p>
+            <a:pPr marL="514350" indent="-514350">
+              <a:buFont typeface="+mj-lt"/>
+              <a:buAutoNum type="arabicPeriod"/>
+            </a:pPr>
+            <a:r>
+              <a:rPr lang="en-US" dirty="0"/>
+              <a:t>TIGIT</a:t>
+            </a:r>
+            <a:r>
+              <a:rPr lang="en-US" baseline="30000" dirty="0"/>
+              <a:t>+</a:t>
+            </a:r>
+            <a:r>
+              <a:rPr lang="en-US" dirty="0"/>
+              <a:t>KLRG1</a:t>
+            </a:r>
+            <a:r>
+              <a:rPr lang="en-US" baseline="30000" dirty="0"/>
+              <a:t>+</a:t>
+            </a:r>
+            <a:r>
+              <a:rPr lang="en-US" dirty="0"/>
+              <a:t> non-naïve CD8 counts not different between </a:t>
+            </a:r>
+            <a:r>
+              <a:rPr lang="en-US" dirty="0" err="1"/>
+              <a:t>irAE</a:t>
+            </a:r>
+            <a:r>
+              <a:rPr lang="en-US" dirty="0"/>
+              <a:t> groups in </a:t>
+            </a:r>
+            <a:r>
+              <a:rPr lang="en-US" dirty="0" err="1"/>
+              <a:t>Luoma</a:t>
+            </a:r>
+            <a:r>
+              <a:rPr lang="en-US" dirty="0"/>
+              <a:t> (2020), </a:t>
+            </a:r>
+            <a:r>
+              <a:rPr lang="en-US" i="1" dirty="0"/>
+              <a:t>Cell</a:t>
+            </a:r>
+            <a:r>
+              <a:rPr lang="en-US" dirty="0"/>
+              <a:t> colitis or Zhu (2022), </a:t>
+            </a:r>
+            <a:r>
+              <a:rPr lang="en-US" i="1" dirty="0"/>
+              <a:t>Circulation</a:t>
+            </a:r>
+            <a:r>
+              <a:rPr lang="en-US" dirty="0"/>
+              <a:t> myocarditis datasets (data not shown)</a:t>
+            </a:r>
+          </a:p>
+          <a:p>
+            <a:pPr marL="514350" indent="-514350">
+              <a:buFont typeface="+mj-lt"/>
+              <a:buAutoNum type="arabicPeriod"/>
+            </a:pPr>
+            <a:r>
+              <a:rPr lang="en-US" dirty="0"/>
+              <a:t>Consistent trends across sensitivity analyses</a:t>
+            </a:r>
+          </a:p>
+          <a:p>
+            <a:pPr marL="971550" lvl="1" indent="-514350">
+              <a:buFont typeface="+mj-lt"/>
+              <a:buAutoNum type="alphaLcParenR"/>
+            </a:pPr>
+            <a:r>
+              <a:rPr lang="en-US" dirty="0"/>
+              <a:t>DP CD57</a:t>
+            </a:r>
+            <a:r>
+              <a:rPr lang="en-US" baseline="30000" dirty="0"/>
+              <a:t>+</a:t>
+            </a:r>
+            <a:r>
+              <a:rPr lang="en-US" dirty="0"/>
+              <a:t> has the most MT variants, followed by DP PD-1</a:t>
+            </a:r>
+            <a:r>
+              <a:rPr lang="en-US" baseline="30000" dirty="0"/>
+              <a:t>+</a:t>
+            </a:r>
+            <a:r>
+              <a:rPr lang="en-US" dirty="0"/>
+              <a:t>, these are most “terminal”</a:t>
+            </a:r>
+            <a:endParaRPr lang="en-US" baseline="30000" dirty="0"/>
+          </a:p>
+          <a:p>
+            <a:pPr marL="971550" lvl="1" indent="-514350">
+              <a:buFont typeface="+mj-lt"/>
+              <a:buAutoNum type="alphaLcParenR"/>
+            </a:pPr>
+            <a:r>
+              <a:rPr lang="en-US" dirty="0"/>
+              <a:t>DN/non-exhausted CD127</a:t>
+            </a:r>
+            <a:r>
+              <a:rPr lang="en-US" baseline="30000" dirty="0"/>
+              <a:t>+</a:t>
+            </a:r>
+            <a:r>
+              <a:rPr lang="en-US" dirty="0"/>
+              <a:t> have the least MT variants, these are most like reference</a:t>
+            </a:r>
+          </a:p>
+          <a:p>
+            <a:pPr marL="971550" lvl="1" indent="-514350">
+              <a:buFont typeface="+mj-lt"/>
+              <a:buAutoNum type="alphaLcParenR"/>
+            </a:pPr>
+            <a:r>
+              <a:rPr lang="en-US" dirty="0"/>
+              <a:t>so, we can conclude that these pairs of sorts are at opposite ends of cell differentiation pathway (consistent with previous evidence/models)</a:t>
+            </a:r>
+          </a:p>
+          <a:p>
+            <a:pPr marL="971550" lvl="1" indent="-514350">
+              <a:buFont typeface="+mj-lt"/>
+              <a:buAutoNum type="alphaLcParenR"/>
+            </a:pPr>
+            <a:r>
+              <a:rPr lang="en-US" dirty="0"/>
+              <a:t>*ideally would be able to use DN as MT reference but lack full DN MT genome sequence</a:t>
+            </a:r>
+          </a:p>
+          <a:p>
+            <a:pPr marL="514350" indent="-514350">
+              <a:buFont typeface="+mj-lt"/>
+              <a:buAutoNum type="arabicPeriod"/>
+            </a:pPr>
+            <a:r>
+              <a:rPr lang="en-US" dirty="0"/>
+              <a:t>Obtain few hundred DARs between R &amp; NR across all cell sorts</a:t>
+            </a:r>
+          </a:p>
+          <a:p>
+            <a:pPr marL="971550" lvl="1" indent="-514350">
+              <a:buFont typeface="+mj-lt"/>
+              <a:buAutoNum type="alphaLcParenR"/>
+            </a:pPr>
+            <a:r>
+              <a:rPr lang="en-US" dirty="0"/>
+              <a:t>Some top hits may indicate that T1D progression-associated genes (</a:t>
+            </a:r>
+            <a:r>
+              <a:rPr lang="en-US" i="1" dirty="0"/>
+              <a:t>BTB16</a:t>
+            </a:r>
+            <a:r>
+              <a:rPr lang="en-US" dirty="0"/>
+              <a:t>, </a:t>
+            </a:r>
+            <a:r>
+              <a:rPr lang="en-US" i="1" dirty="0"/>
+              <a:t>DPYSL4</a:t>
+            </a:r>
+            <a:r>
+              <a:rPr lang="en-US" dirty="0"/>
+              <a:t>) are being picked up as DARs between R &amp; NR, perhaps unsurprisingly</a:t>
+            </a:r>
+          </a:p>
           <a:p>
             <a:pPr marL="514350" indent="-514350">
               <a:buFont typeface="+mj-lt"/>
@@ -6774,7 +6828,7 @@
     </p:spTree>
     <p:extLst>
       <p:ext uri="{BB962C8B-B14F-4D97-AF65-F5344CB8AC3E}">
-        <p14:creationId xmlns:p14="http://schemas.microsoft.com/office/powerpoint/2010/main" val="542699979"/>
+        <p14:creationId xmlns:p14="http://schemas.microsoft.com/office/powerpoint/2010/main" val="3062584362"/>
       </p:ext>
     </p:extLst>
   </p:cSld>

--- a/presentations/weekly_meetings/6_13_24.pptx
+++ b/presentations/weekly_meetings/6_13_24.pptx
@@ -217,7 +217,7 @@
           <a:p>
             <a:fld id="{E933A773-0DCE-3544-BB67-D5FA58DF903C}" type="datetimeFigureOut">
               <a:rPr lang="en-US" smtClean="0"/>
-              <a:t>6/12/24</a:t>
+              <a:t>6/13/24</a:t>
             </a:fld>
             <a:endParaRPr lang="en-US"/>
           </a:p>
@@ -1886,13 +1886,16 @@
               <a:tabLst/>
               <a:defRPr/>
             </a:pPr>
-            <a:endParaRPr lang="en-US" b="0" dirty="0">
-              <a:solidFill>
-                <a:srgbClr val="CCCCCC"/>
-              </a:solidFill>
-              <a:effectLst/>
-              <a:latin typeface="Menlo" panose="020B0609030804020204" pitchFamily="49" charset="0"/>
-            </a:endParaRPr>
+            <a:r>
+              <a:rPr lang="en-US" b="0" dirty="0">
+                <a:solidFill>
+                  <a:srgbClr val="CCCCCC"/>
+                </a:solidFill>
+                <a:effectLst/>
+                <a:latin typeface="Menlo" panose="020B0609030804020204" pitchFamily="49" charset="0"/>
+              </a:rPr>
+              <a:t>Plot/analysis made with new covariate regressing out code</a:t>
+            </a:r>
           </a:p>
         </p:txBody>
       </p:sp>
@@ -1994,6 +1997,10 @@
           <a:bodyPr/>
           <a:lstStyle/>
           <a:p>
+            <a:pPr marL="0" indent="0">
+              <a:buFont typeface="+mj-lt"/>
+              <a:buNone/>
+            </a:pPr>
             <a:endParaRPr lang="en-US" b="0" dirty="0">
               <a:solidFill>
                 <a:srgbClr val="CCCCCC"/>
@@ -2193,7 +2200,7 @@
           <a:p>
             <a:fld id="{80FC6068-BAFB-FC44-B9D8-F4B3BB105DE6}" type="datetimeFigureOut">
               <a:rPr lang="en-US" smtClean="0"/>
-              <a:t>6/12/24</a:t>
+              <a:t>6/13/24</a:t>
             </a:fld>
             <a:endParaRPr lang="en-US"/>
           </a:p>
@@ -2391,7 +2398,7 @@
           <a:p>
             <a:fld id="{80FC6068-BAFB-FC44-B9D8-F4B3BB105DE6}" type="datetimeFigureOut">
               <a:rPr lang="en-US" smtClean="0"/>
-              <a:t>6/12/24</a:t>
+              <a:t>6/13/24</a:t>
             </a:fld>
             <a:endParaRPr lang="en-US"/>
           </a:p>
@@ -2599,7 +2606,7 @@
           <a:p>
             <a:fld id="{80FC6068-BAFB-FC44-B9D8-F4B3BB105DE6}" type="datetimeFigureOut">
               <a:rPr lang="en-US" smtClean="0"/>
-              <a:t>6/12/24</a:t>
+              <a:t>6/13/24</a:t>
             </a:fld>
             <a:endParaRPr lang="en-US"/>
           </a:p>
@@ -2803,7 +2810,7 @@
           <a:p>
             <a:fld id="{80FC6068-BAFB-FC44-B9D8-F4B3BB105DE6}" type="datetimeFigureOut">
               <a:rPr lang="en-US" smtClean="0"/>
-              <a:t>6/12/24</a:t>
+              <a:t>6/13/24</a:t>
             </a:fld>
             <a:endParaRPr lang="en-US"/>
           </a:p>
@@ -3094,7 +3101,7 @@
           <a:p>
             <a:fld id="{80FC6068-BAFB-FC44-B9D8-F4B3BB105DE6}" type="datetimeFigureOut">
               <a:rPr lang="en-US" smtClean="0"/>
-              <a:t>6/12/24</a:t>
+              <a:t>6/13/24</a:t>
             </a:fld>
             <a:endParaRPr lang="en-US"/>
           </a:p>
@@ -3359,7 +3366,7 @@
           <a:p>
             <a:fld id="{80FC6068-BAFB-FC44-B9D8-F4B3BB105DE6}" type="datetimeFigureOut">
               <a:rPr lang="en-US" smtClean="0"/>
-              <a:t>6/12/24</a:t>
+              <a:t>6/13/24</a:t>
             </a:fld>
             <a:endParaRPr lang="en-US"/>
           </a:p>
@@ -3771,7 +3778,7 @@
           <a:p>
             <a:fld id="{80FC6068-BAFB-FC44-B9D8-F4B3BB105DE6}" type="datetimeFigureOut">
               <a:rPr lang="en-US" smtClean="0"/>
-              <a:t>6/12/24</a:t>
+              <a:t>6/13/24</a:t>
             </a:fld>
             <a:endParaRPr lang="en-US"/>
           </a:p>
@@ -3912,7 +3919,7 @@
           <a:p>
             <a:fld id="{80FC6068-BAFB-FC44-B9D8-F4B3BB105DE6}" type="datetimeFigureOut">
               <a:rPr lang="en-US" smtClean="0"/>
-              <a:t>6/12/24</a:t>
+              <a:t>6/13/24</a:t>
             </a:fld>
             <a:endParaRPr lang="en-US"/>
           </a:p>
@@ -4025,7 +4032,7 @@
           <a:p>
             <a:fld id="{80FC6068-BAFB-FC44-B9D8-F4B3BB105DE6}" type="datetimeFigureOut">
               <a:rPr lang="en-US" smtClean="0"/>
-              <a:t>6/12/24</a:t>
+              <a:t>6/13/24</a:t>
             </a:fld>
             <a:endParaRPr lang="en-US"/>
           </a:p>
@@ -4336,7 +4343,7 @@
           <a:p>
             <a:fld id="{80FC6068-BAFB-FC44-B9D8-F4B3BB105DE6}" type="datetimeFigureOut">
               <a:rPr lang="en-US" smtClean="0"/>
-              <a:t>6/12/24</a:t>
+              <a:t>6/13/24</a:t>
             </a:fld>
             <a:endParaRPr lang="en-US"/>
           </a:p>
@@ -4624,7 +4631,7 @@
           <a:p>
             <a:fld id="{80FC6068-BAFB-FC44-B9D8-F4B3BB105DE6}" type="datetimeFigureOut">
               <a:rPr lang="en-US" smtClean="0"/>
-              <a:t>6/12/24</a:t>
+              <a:t>6/13/24</a:t>
             </a:fld>
             <a:endParaRPr lang="en-US"/>
           </a:p>
@@ -4865,7 +4872,7 @@
           <a:p>
             <a:fld id="{80FC6068-BAFB-FC44-B9D8-F4B3BB105DE6}" type="datetimeFigureOut">
               <a:rPr lang="en-US" smtClean="0"/>
-              <a:t>6/12/24</a:t>
+              <a:t>6/13/24</a:t>
             </a:fld>
             <a:endParaRPr lang="en-US"/>
           </a:p>
@@ -5434,7 +5441,7 @@
         </p:spPr>
         <p:txBody>
           <a:bodyPr>
-            <a:normAutofit fontScale="92500" lnSpcReduction="10000"/>
+            <a:normAutofit/>
           </a:bodyPr>
           <a:lstStyle/>
           <a:p>
@@ -5444,7 +5451,7 @@
             </a:pPr>
             <a:r>
               <a:rPr lang="en-US" dirty="0"/>
-              <a:t>P576: investigate changes in results post-regressing out covariates (replicate, also cell sort (Tissue) or responder status (Condition) for the other’s analysis)</a:t>
+              <a:t>MT analyses</a:t>
             </a:r>
           </a:p>
           <a:p>
@@ -5454,7 +5461,25 @@
             </a:pPr>
             <a:r>
               <a:rPr lang="en-US" dirty="0"/>
-              <a:t>So far results seem similar (qualitatively) but do expect/observe differences (quantitatively)</a:t>
+              <a:t>Try assembling MT genome from DN MT mapping reads, then could use that MT genome as reference for mapping MT variants in other cell sorts (i.e. now if DP CD57</a:t>
+            </a:r>
+            <a:r>
+              <a:rPr lang="en-US" baseline="30000" dirty="0"/>
+              <a:t>+</a:t>
+            </a:r>
+            <a:r>
+              <a:rPr lang="en-US" dirty="0"/>
+              <a:t> still has the most variants then it’s easily interpretable as most terminal from DN “ancestor” in differentiation pathway)</a:t>
+            </a:r>
+          </a:p>
+          <a:p>
+            <a:pPr marL="514350" indent="-514350">
+              <a:buFont typeface="+mj-lt"/>
+              <a:buAutoNum type="arabicPeriod"/>
+            </a:pPr>
+            <a:r>
+              <a:rPr lang="en-US" dirty="0"/>
+              <a:t>Revisit Homer analyses</a:t>
             </a:r>
           </a:p>
           <a:p>
@@ -5463,76 +5488,10 @@
               <a:buAutoNum type="alphaLcParenR"/>
             </a:pPr>
             <a:r>
-              <a:rPr lang="en-US" dirty="0"/>
-              <a:t>Old code</a:t>
-            </a:r>
-          </a:p>
-          <a:p>
-            <a:pPr marL="1428750" lvl="2" indent="-514350">
-              <a:buFont typeface="+mj-lt"/>
-              <a:buAutoNum type="romanLcPeriod"/>
-            </a:pPr>
-            <a:r>
-              <a:rPr lang="en-US" dirty="0"/>
-              <a:t>R vs. NR analysis: </a:t>
-            </a:r>
-            <a:r>
-              <a:rPr lang="en-US" dirty="0" err="1"/>
-              <a:t>consensusPeaks_obj</a:t>
-            </a:r>
-            <a:r>
-              <a:rPr lang="en-US" dirty="0"/>
-              <a:t> = </a:t>
-            </a:r>
-            <a:r>
-              <a:rPr lang="en-US" dirty="0" err="1"/>
-              <a:t>dba.contrast</a:t>
-            </a:r>
-            <a:r>
-              <a:rPr lang="en-US" dirty="0"/>
-              <a:t>(</a:t>
-            </a:r>
-            <a:r>
-              <a:rPr lang="en-US" dirty="0" err="1"/>
-              <a:t>consensusPeaks_obj</a:t>
-            </a:r>
-            <a:r>
-              <a:rPr lang="en-US" dirty="0"/>
-              <a:t>, design = c(“0 + Condition”)</a:t>
-            </a:r>
-          </a:p>
-          <a:p>
-            <a:pPr marL="1428750" lvl="2" indent="-514350">
-              <a:buFont typeface="+mj-lt"/>
-              <a:buAutoNum type="romanLcPeriod"/>
-            </a:pPr>
-            <a:r>
-              <a:rPr lang="en-US" dirty="0"/>
-              <a:t>Cell sort analysis: </a:t>
-            </a:r>
-            <a:r>
-              <a:rPr lang="en-US" dirty="0" err="1"/>
-              <a:t>consensusPeaks_obj</a:t>
-            </a:r>
-            <a:r>
-              <a:rPr lang="en-US" dirty="0"/>
-              <a:t> = </a:t>
-            </a:r>
-            <a:r>
-              <a:rPr lang="en-US" dirty="0" err="1"/>
-              <a:t>dba.contrast</a:t>
-            </a:r>
-            <a:r>
-              <a:rPr lang="en-US" dirty="0"/>
-              <a:t>(</a:t>
-            </a:r>
-            <a:r>
-              <a:rPr lang="en-US" dirty="0" err="1"/>
-              <a:t>consensusPeaks_obj</a:t>
-            </a:r>
-            <a:r>
-              <a:rPr lang="en-US" dirty="0"/>
-              <a:t>, design = c(“0 + Tissue”)</a:t>
+              <a:rPr lang="en-US" dirty="0">
+                <a:sym typeface="Wingdings" pitchFamily="2" charset="2"/>
+              </a:rPr>
+              <a:t>Try all consensus peaks as background for Homer vs. just using peaks up/down in a specific contrast</a:t>
             </a:r>
           </a:p>
           <a:p>
@@ -5542,83 +5501,25 @@
             </a:pPr>
             <a:r>
               <a:rPr lang="en-US" dirty="0"/>
-              <a:t>New code (use of design param causes block param to be ignored)</a:t>
-            </a:r>
-          </a:p>
-          <a:p>
-            <a:pPr marL="1428750" lvl="2" indent="-514350">
-              <a:buFont typeface="+mj-lt"/>
-              <a:buAutoNum type="romanLcPeriod"/>
-            </a:pPr>
-            <a:r>
-              <a:rPr lang="en-US" dirty="0"/>
-              <a:t>R vs. NR analysis: </a:t>
-            </a:r>
-            <a:r>
-              <a:rPr lang="en-US" dirty="0" err="1"/>
-              <a:t>consensusPeaks_obj</a:t>
-            </a:r>
-            <a:r>
-              <a:rPr lang="en-US" dirty="0"/>
-              <a:t> = </a:t>
-            </a:r>
-            <a:r>
-              <a:rPr lang="en-US" dirty="0" err="1"/>
-              <a:t>dba.contrast</a:t>
-            </a:r>
-            <a:r>
-              <a:rPr lang="en-US" dirty="0"/>
-              <a:t>(</a:t>
-            </a:r>
-            <a:r>
-              <a:rPr lang="en-US" dirty="0" err="1"/>
-              <a:t>consensusPeaks_obj</a:t>
-            </a:r>
-            <a:r>
-              <a:rPr lang="en-US" dirty="0"/>
-              <a:t>, categories = DBA_CONDITION, block = c(DBA_REPLICATE, DBA_TISSUE), </a:t>
-            </a:r>
-            <a:r>
-              <a:rPr lang="en-US" dirty="0" err="1"/>
-              <a:t>reorderMeta</a:t>
-            </a:r>
-            <a:r>
-              <a:rPr lang="en-US" dirty="0"/>
-              <a:t> = list(Condition = “Yes”))</a:t>
-            </a:r>
-          </a:p>
-          <a:p>
-            <a:pPr marL="1428750" lvl="2" indent="-514350">
-              <a:buFont typeface="+mj-lt"/>
-              <a:buAutoNum type="romanLcPeriod"/>
-            </a:pPr>
-            <a:r>
-              <a:rPr lang="en-US" dirty="0"/>
-              <a:t>Cell sort analysis: </a:t>
-            </a:r>
-            <a:r>
-              <a:rPr lang="en-US" dirty="0" err="1"/>
-              <a:t>consensusPeaks_obj</a:t>
-            </a:r>
-            <a:r>
-              <a:rPr lang="en-US" dirty="0"/>
-              <a:t> = </a:t>
-            </a:r>
-            <a:r>
-              <a:rPr lang="en-US" dirty="0" err="1"/>
-              <a:t>dba.contrast</a:t>
-            </a:r>
-            <a:r>
-              <a:rPr lang="en-US" dirty="0"/>
-              <a:t>(</a:t>
-            </a:r>
-            <a:r>
-              <a:rPr lang="en-US" dirty="0" err="1"/>
-              <a:t>consensusPeaks_obj</a:t>
-            </a:r>
-            <a:r>
-              <a:rPr lang="en-US" dirty="0"/>
-              <a:t>, categories = DBA_TISSUE, block = c(DBA_REPLICATE, DBA_CONDITION))</a:t>
+              <a:t>Mean read count/library in P576 was ~41 million, much lower than P452 (Erin’s) ~57 million </a:t>
+            </a:r>
+            <a:r>
+              <a:rPr lang="en-US" dirty="0">
+                <a:sym typeface="Wingdings" pitchFamily="2" charset="2"/>
+              </a:rPr>
+              <a:t> </a:t>
+            </a:r>
+            <a:r>
+              <a:rPr lang="en-US" dirty="0" err="1">
+                <a:sym typeface="Wingdings" pitchFamily="2" charset="2"/>
+              </a:rPr>
+              <a:t>downsample</a:t>
+            </a:r>
+            <a:r>
+              <a:rPr lang="en-US" dirty="0">
+                <a:sym typeface="Wingdings" pitchFamily="2" charset="2"/>
+              </a:rPr>
+              <a:t> Erin’s libraries to avg of 41 million read counts/library &amp; see how dramatically Homer results differ</a:t>
             </a:r>
           </a:p>
         </p:txBody>
@@ -6402,18 +6303,136 @@
           <a:p>
             <a:r>
               <a:rPr lang="en-US" sz="2800" dirty="0"/>
-              <a:t>Obtain more DARs between R and NR looking across all cell sorts</a:t>
+              <a:t>Obtain some DARs between R and NR looking across all cell sorts</a:t>
             </a:r>
             <a:endParaRPr lang="en-US" sz="1800" dirty="0"/>
+          </a:p>
+        </p:txBody>
+      </p:sp>
+      <p:sp>
+        <p:nvSpPr>
+          <p:cNvPr id="8" name="TextBox 7">
+            <a:extLst>
+              <a:ext uri="{FF2B5EF4-FFF2-40B4-BE49-F238E27FC236}">
+                <a16:creationId xmlns:a16="http://schemas.microsoft.com/office/drawing/2014/main" id="{522E953E-F4A2-C238-F689-CF8CF307BB47}"/>
+              </a:ext>
+            </a:extLst>
+          </p:cNvPr>
+          <p:cNvSpPr txBox="1"/>
+          <p:nvPr/>
+        </p:nvSpPr>
+        <p:spPr>
+          <a:xfrm>
+            <a:off x="838200" y="2241344"/>
+            <a:ext cx="3988981" cy="2400657"/>
+          </a:xfrm>
+          <a:prstGeom prst="rect">
+            <a:avLst/>
+          </a:prstGeom>
+          <a:noFill/>
+        </p:spPr>
+        <p:txBody>
+          <a:bodyPr wrap="square">
+            <a:spAutoFit/>
+          </a:bodyPr>
+          <a:lstStyle/>
+          <a:p>
+            <a:pPr marL="342900" indent="-342900">
+              <a:buFont typeface="Arial" panose="020B0604020202020204" pitchFamily="34" charset="0"/>
+              <a:buChar char="•"/>
+            </a:pPr>
+            <a:r>
+              <a:rPr lang="en-US" sz="1500" dirty="0"/>
+              <a:t>KEGG analysis yielded only 1 significantly enriched pathway: propanoate metabolism (6 genes) suppressed in responders</a:t>
+            </a:r>
+          </a:p>
+          <a:p>
+            <a:pPr marL="342900" indent="-342900">
+              <a:buFont typeface="Arial" panose="020B0604020202020204" pitchFamily="34" charset="0"/>
+              <a:buChar char="•"/>
+            </a:pPr>
+            <a:r>
+              <a:rPr lang="en-US" sz="1500" dirty="0"/>
+              <a:t>potentially interesting hits</a:t>
+            </a:r>
+          </a:p>
+          <a:p>
+            <a:pPr marL="800100" lvl="1" indent="-342900">
+              <a:buFont typeface="Courier New" panose="02070309020205020404" pitchFamily="49" charset="0"/>
+              <a:buChar char="o"/>
+            </a:pPr>
+            <a:r>
+              <a:rPr lang="en-US" sz="1500" dirty="0">
+                <a:hlinkClick r:id="rId3"/>
+              </a:rPr>
+              <a:t>BTB16 nearby the </a:t>
+            </a:r>
+            <a:r>
+              <a:rPr lang="en-US" sz="1500" dirty="0">
+                <a:solidFill>
+                  <a:srgbClr val="111111"/>
+                </a:solidFill>
+                <a:effectLst/>
+                <a:hlinkClick r:id="rId3"/>
+              </a:rPr>
+              <a:t>10q26.13 </a:t>
+            </a:r>
+            <a:r>
+              <a:rPr lang="en-US" sz="1500" dirty="0">
+                <a:hlinkClick r:id="rId3"/>
+              </a:rPr>
+              <a:t>T1D susceptibility locus</a:t>
+            </a:r>
+            <a:endParaRPr lang="en-US" sz="1500" dirty="0">
+              <a:hlinkClick r:id="rId4"/>
+            </a:endParaRPr>
+          </a:p>
+          <a:p>
+            <a:pPr marL="800100" lvl="1" indent="-342900">
+              <a:buFont typeface="Courier New" panose="02070309020205020404" pitchFamily="49" charset="0"/>
+              <a:buChar char="o"/>
+            </a:pPr>
+            <a:r>
+              <a:rPr lang="en-US" sz="1500" dirty="0">
+                <a:hlinkClick r:id="rId4"/>
+              </a:rPr>
+              <a:t>DPYSL4 </a:t>
+            </a:r>
+            <a:r>
+              <a:rPr lang="en-US" sz="1500" dirty="0">
+                <a:hlinkClick r:id="rId5"/>
+              </a:rPr>
+              <a:t>associated</a:t>
+            </a:r>
+            <a:r>
+              <a:rPr lang="en-US" sz="1500" dirty="0">
+                <a:hlinkClick r:id="rId4"/>
+              </a:rPr>
+              <a:t> with T1D progression</a:t>
+            </a:r>
+            <a:r>
+              <a:rPr lang="en-US" sz="1500" dirty="0"/>
+              <a:t>, see figure 2B</a:t>
+            </a:r>
+          </a:p>
+          <a:p>
+            <a:pPr marL="800100" lvl="1" indent="-342900">
+              <a:buFont typeface="Courier New" panose="02070309020205020404" pitchFamily="49" charset="0"/>
+              <a:buChar char="o"/>
+            </a:pPr>
+            <a:r>
+              <a:rPr lang="en-US" sz="1500" dirty="0"/>
+              <a:t>Some TRBV genes less accessible in responders</a:t>
+            </a:r>
           </a:p>
         </p:txBody>
       </p:sp>
       <p:pic>
         <p:nvPicPr>
-          <p:cNvPr id="3" name="Picture 2">
-            <a:extLst>
-              <a:ext uri="{FF2B5EF4-FFF2-40B4-BE49-F238E27FC236}">
-                <a16:creationId xmlns:a16="http://schemas.microsoft.com/office/drawing/2014/main" id="{A66F9DBD-E708-43DC-9464-048EC46CC66B}"/>
+          <p:cNvPr id="4" name="Picture 3">
+            <a:extLst>
+              <a:ext uri="{FF2B5EF4-FFF2-40B4-BE49-F238E27FC236}">
+                <a16:creationId xmlns:a16="http://schemas.microsoft.com/office/drawing/2014/main" id="{E5C4B107-2D27-7B71-6C5C-2C90AF095E3E}"/>
               </a:ext>
             </a:extLst>
           </p:cNvPr>
@@ -6423,139 +6442,21 @@
           <p:nvPr/>
         </p:nvPicPr>
         <p:blipFill>
-          <a:blip r:embed="rId3"/>
+          <a:blip r:embed="rId6"/>
           <a:stretch>
             <a:fillRect/>
           </a:stretch>
         </p:blipFill>
         <p:spPr>
           <a:xfrm>
-            <a:off x="4913609" y="0"/>
-            <a:ext cx="7191305" cy="6858000"/>
+            <a:off x="5389530" y="0"/>
+            <a:ext cx="6802470" cy="6858000"/>
           </a:xfrm>
           <a:prstGeom prst="rect">
             <a:avLst/>
           </a:prstGeom>
         </p:spPr>
       </p:pic>
-      <p:sp>
-        <p:nvSpPr>
-          <p:cNvPr id="8" name="TextBox 7">
-            <a:extLst>
-              <a:ext uri="{FF2B5EF4-FFF2-40B4-BE49-F238E27FC236}">
-                <a16:creationId xmlns:a16="http://schemas.microsoft.com/office/drawing/2014/main" id="{522E953E-F4A2-C238-F689-CF8CF307BB47}"/>
-              </a:ext>
-            </a:extLst>
-          </p:cNvPr>
-          <p:cNvSpPr txBox="1"/>
-          <p:nvPr/>
-        </p:nvSpPr>
-        <p:spPr>
-          <a:xfrm>
-            <a:off x="838200" y="2241344"/>
-            <a:ext cx="3988981" cy="1938992"/>
-          </a:xfrm>
-          <a:prstGeom prst="rect">
-            <a:avLst/>
-          </a:prstGeom>
-          <a:noFill/>
-        </p:spPr>
-        <p:txBody>
-          <a:bodyPr wrap="square">
-            <a:spAutoFit/>
-          </a:bodyPr>
-          <a:lstStyle/>
-          <a:p>
-            <a:pPr marL="342900" indent="-342900">
-              <a:buFont typeface="Arial" panose="020B0604020202020204" pitchFamily="34" charset="0"/>
-              <a:buChar char="•"/>
-            </a:pPr>
-            <a:r>
-              <a:rPr lang="en-US" sz="1500" dirty="0"/>
-              <a:t>KEGG analysis yielded no enriched pathways</a:t>
-            </a:r>
-          </a:p>
-          <a:p>
-            <a:pPr marL="342900" indent="-342900">
-              <a:buFont typeface="Arial" panose="020B0604020202020204" pitchFamily="34" charset="0"/>
-              <a:buChar char="•"/>
-            </a:pPr>
-            <a:r>
-              <a:rPr lang="en-US" sz="1500" dirty="0"/>
-              <a:t>potentially interesting hits</a:t>
-            </a:r>
-          </a:p>
-          <a:p>
-            <a:pPr marL="800100" lvl="1" indent="-342900">
-              <a:buFont typeface="Courier New" panose="02070309020205020404" pitchFamily="49" charset="0"/>
-              <a:buChar char="o"/>
-            </a:pPr>
-            <a:r>
-              <a:rPr lang="en-US" sz="1500" dirty="0">
-                <a:hlinkClick r:id="rId4"/>
-              </a:rPr>
-              <a:t>BTB16 nearby the </a:t>
-            </a:r>
-            <a:r>
-              <a:rPr lang="en-US" sz="1500" dirty="0">
-                <a:solidFill>
-                  <a:srgbClr val="111111"/>
-                </a:solidFill>
-                <a:effectLst/>
-                <a:hlinkClick r:id="rId4"/>
-              </a:rPr>
-              <a:t>10q26.13 </a:t>
-            </a:r>
-            <a:r>
-              <a:rPr lang="en-US" sz="1500" dirty="0">
-                <a:hlinkClick r:id="rId4"/>
-              </a:rPr>
-              <a:t>T1D susceptibility locus</a:t>
-            </a:r>
-            <a:endParaRPr lang="en-US" sz="1500" dirty="0">
-              <a:hlinkClick r:id="rId5"/>
-            </a:endParaRPr>
-          </a:p>
-          <a:p>
-            <a:pPr marL="800100" lvl="1" indent="-342900">
-              <a:buFont typeface="Courier New" panose="02070309020205020404" pitchFamily="49" charset="0"/>
-              <a:buChar char="o"/>
-            </a:pPr>
-            <a:r>
-              <a:rPr lang="en-US" sz="1500" dirty="0">
-                <a:hlinkClick r:id="rId5"/>
-              </a:rPr>
-              <a:t>DPYSL4 </a:t>
-            </a:r>
-            <a:r>
-              <a:rPr lang="en-US" sz="1500" dirty="0">
-                <a:hlinkClick r:id="rId6"/>
-              </a:rPr>
-              <a:t>associated</a:t>
-            </a:r>
-            <a:r>
-              <a:rPr lang="en-US" sz="1500" dirty="0">
-                <a:hlinkClick r:id="rId5"/>
-              </a:rPr>
-              <a:t> with T1D progression</a:t>
-            </a:r>
-            <a:r>
-              <a:rPr lang="en-US" sz="1500" dirty="0"/>
-              <a:t>, see figure 2B</a:t>
-            </a:r>
-          </a:p>
-          <a:p>
-            <a:pPr marL="800100" lvl="1" indent="-342900">
-              <a:buFont typeface="Courier New" panose="02070309020205020404" pitchFamily="49" charset="0"/>
-              <a:buChar char="o"/>
-            </a:pPr>
-            <a:r>
-              <a:rPr lang="en-US" sz="1500" dirty="0"/>
-              <a:t>TRBV genes (4-1/2, 5-1, 6-1) less accessible in responders</a:t>
-            </a:r>
-          </a:p>
-        </p:txBody>
-      </p:sp>
     </p:spTree>
     <p:extLst>
       <p:ext uri="{BB962C8B-B14F-4D97-AF65-F5344CB8AC3E}">
@@ -6644,7 +6545,7 @@
         </p:spPr>
         <p:txBody>
           <a:bodyPr>
-            <a:normAutofit fontScale="92500" lnSpcReduction="10000"/>
+            <a:normAutofit fontScale="77500" lnSpcReduction="20000"/>
           </a:bodyPr>
           <a:lstStyle/>
           <a:p>
@@ -6654,7 +6555,17 @@
             </a:pPr>
             <a:r>
               <a:rPr lang="en-US" dirty="0"/>
-              <a:t>TIGIT</a:t>
+              <a:t>Consistent trends across sensitivity analyses</a:t>
+            </a:r>
+          </a:p>
+          <a:p>
+            <a:pPr marL="971550" lvl="1" indent="-514350">
+              <a:buFont typeface="+mj-lt"/>
+              <a:buAutoNum type="alphaLcParenR"/>
+            </a:pPr>
+            <a:r>
+              <a:rPr lang="en-US" dirty="0"/>
+              <a:t>DP CD57</a:t>
             </a:r>
             <a:r>
               <a:rPr lang="en-US" baseline="30000" dirty="0"/>
@@ -6662,7 +6573,7 @@
             </a:r>
             <a:r>
               <a:rPr lang="en-US" dirty="0"/>
-              <a:t>KLRG1</a:t>
+              <a:t> has the most MT variants, followed by DP PD-1</a:t>
             </a:r>
             <a:r>
               <a:rPr lang="en-US" baseline="30000" dirty="0"/>
@@ -6670,39 +6581,36 @@
             </a:r>
             <a:r>
               <a:rPr lang="en-US" dirty="0"/>
-              <a:t> non-naïve CD8 counts not different between </a:t>
-            </a:r>
-            <a:r>
-              <a:rPr lang="en-US" dirty="0" err="1"/>
-              <a:t>irAE</a:t>
-            </a:r>
+              <a:t>, these are most “terminal”</a:t>
+            </a:r>
+            <a:endParaRPr lang="en-US" baseline="30000" dirty="0"/>
+          </a:p>
+          <a:p>
+            <a:pPr marL="971550" lvl="1" indent="-514350">
+              <a:buFont typeface="+mj-lt"/>
+              <a:buAutoNum type="alphaLcParenR"/>
+            </a:pPr>
             <a:r>
               <a:rPr lang="en-US" dirty="0"/>
-              <a:t> groups in </a:t>
-            </a:r>
-            <a:r>
-              <a:rPr lang="en-US" dirty="0" err="1"/>
-              <a:t>Luoma</a:t>
+              <a:t>DN/non-exhausted CD127</a:t>
+            </a:r>
+            <a:r>
+              <a:rPr lang="en-US" baseline="30000" dirty="0"/>
+              <a:t>+</a:t>
             </a:r>
             <a:r>
               <a:rPr lang="en-US" dirty="0"/>
-              <a:t> (2020), </a:t>
-            </a:r>
-            <a:r>
-              <a:rPr lang="en-US" i="1" dirty="0"/>
-              <a:t>Cell</a:t>
-            </a:r>
+              <a:t> have the least MT variants, these are most like the reference MT genome</a:t>
+            </a:r>
+          </a:p>
+          <a:p>
+            <a:pPr marL="971550" lvl="1" indent="-514350">
+              <a:buFont typeface="+mj-lt"/>
+              <a:buAutoNum type="alphaLcParenR"/>
+            </a:pPr>
             <a:r>
               <a:rPr lang="en-US" dirty="0"/>
-              <a:t> colitis or Zhu (2022), </a:t>
-            </a:r>
-            <a:r>
-              <a:rPr lang="en-US" i="1" dirty="0"/>
-              <a:t>Circulation</a:t>
-            </a:r>
-            <a:r>
-              <a:rPr lang="en-US" dirty="0"/>
-              <a:t> myocarditis datasets (data not shown)</a:t>
+              <a:t>so, we can conclude that these pairs of sorts are at opposite ends of cell differentiation pathway (consistent with previous evidence/models)</a:t>
             </a:r>
           </a:p>
           <a:p>
@@ -6712,7 +6620,7 @@
             </a:pPr>
             <a:r>
               <a:rPr lang="en-US" dirty="0"/>
-              <a:t>Consistent trends across sensitivity analyses</a:t>
+              <a:t>Obtain some DARs between R &amp; NR across all cell sorts</a:t>
             </a:r>
           </a:p>
           <a:p>
@@ -6722,62 +6630,23 @@
             </a:pPr>
             <a:r>
               <a:rPr lang="en-US" dirty="0"/>
-              <a:t>DP CD57</a:t>
-            </a:r>
-            <a:r>
-              <a:rPr lang="en-US" baseline="30000" dirty="0"/>
-              <a:t>+</a:t>
+              <a:t>Some top hits may indicate that T1D progression-associated genes (</a:t>
+            </a:r>
+            <a:r>
+              <a:rPr lang="en-US" i="1" dirty="0"/>
+              <a:t>BTB16</a:t>
             </a:r>
             <a:r>
               <a:rPr lang="en-US" dirty="0"/>
-              <a:t> has the most MT variants, followed by DP PD-1</a:t>
-            </a:r>
-            <a:r>
-              <a:rPr lang="en-US" baseline="30000" dirty="0"/>
-              <a:t>+</a:t>
+              <a:t>, </a:t>
+            </a:r>
+            <a:r>
+              <a:rPr lang="en-US" i="1" dirty="0"/>
+              <a:t>DPYSL4</a:t>
             </a:r>
             <a:r>
               <a:rPr lang="en-US" dirty="0"/>
-              <a:t>, these are most “terminal”</a:t>
-            </a:r>
-            <a:endParaRPr lang="en-US" baseline="30000" dirty="0"/>
-          </a:p>
-          <a:p>
-            <a:pPr marL="971550" lvl="1" indent="-514350">
-              <a:buFont typeface="+mj-lt"/>
-              <a:buAutoNum type="alphaLcParenR"/>
-            </a:pPr>
-            <a:r>
-              <a:rPr lang="en-US" dirty="0"/>
-              <a:t>DN/non-exhausted CD127</a:t>
-            </a:r>
-            <a:r>
-              <a:rPr lang="en-US" baseline="30000" dirty="0"/>
-              <a:t>+</a:t>
-            </a:r>
-            <a:r>
-              <a:rPr lang="en-US" dirty="0"/>
-              <a:t> have the least MT variants, these are most like reference</a:t>
-            </a:r>
-          </a:p>
-          <a:p>
-            <a:pPr marL="971550" lvl="1" indent="-514350">
-              <a:buFont typeface="+mj-lt"/>
-              <a:buAutoNum type="alphaLcParenR"/>
-            </a:pPr>
-            <a:r>
-              <a:rPr lang="en-US" dirty="0"/>
-              <a:t>so, we can conclude that these pairs of sorts are at opposite ends of cell differentiation pathway (consistent with previous evidence/models)</a:t>
-            </a:r>
-          </a:p>
-          <a:p>
-            <a:pPr marL="971550" lvl="1" indent="-514350">
-              <a:buFont typeface="+mj-lt"/>
-              <a:buAutoNum type="alphaLcParenR"/>
-            </a:pPr>
-            <a:r>
-              <a:rPr lang="en-US" dirty="0"/>
-              <a:t>*ideally would be able to use DN as MT reference but lack full DN MT genome sequence</a:t>
+              <a:t>) are being picked up as DARs between R &amp; NR, perhaps unsurprisingly</a:t>
             </a:r>
           </a:p>
           <a:p>
@@ -6787,33 +6656,7 @@
             </a:pPr>
             <a:r>
               <a:rPr lang="en-US" dirty="0"/>
-              <a:t>Obtain few hundred DARs between R &amp; NR across all cell sorts</a:t>
-            </a:r>
-          </a:p>
-          <a:p>
-            <a:pPr marL="971550" lvl="1" indent="-514350">
-              <a:buFont typeface="+mj-lt"/>
-              <a:buAutoNum type="alphaLcParenR"/>
-            </a:pPr>
-            <a:r>
-              <a:rPr lang="en-US" dirty="0"/>
-              <a:t>Some top hits may indicate that T1D progression-associated genes (</a:t>
-            </a:r>
-            <a:r>
-              <a:rPr lang="en-US" i="1" dirty="0"/>
-              <a:t>BTB16</a:t>
-            </a:r>
-            <a:r>
-              <a:rPr lang="en-US" dirty="0"/>
-              <a:t>, </a:t>
-            </a:r>
-            <a:r>
-              <a:rPr lang="en-US" i="1" dirty="0"/>
-              <a:t>DPYSL4</a:t>
-            </a:r>
-            <a:r>
-              <a:rPr lang="en-US" dirty="0"/>
-              <a:t>) are being picked up as DARs between R &amp; NR, perhaps unsurprisingly</a:t>
+              <a:t>No obvious differences in data after regressing out variation due to replicate and responder status (in case of cell sort comparisons) or cell sort (in case of responder status comparisons), also takes care of paired samples (data not shown)</a:t>
             </a:r>
           </a:p>
           <a:p>
@@ -6822,6 +6665,64 @@
               <a:buAutoNum type="arabicPeriod"/>
             </a:pPr>
             <a:endParaRPr lang="en-US" dirty="0"/>
+          </a:p>
+          <a:p>
+            <a:pPr marL="514350" indent="-514350">
+              <a:buFont typeface="+mj-lt"/>
+              <a:buAutoNum type="arabicPeriod"/>
+            </a:pPr>
+            <a:r>
+              <a:rPr lang="en-US" dirty="0"/>
+              <a:t>TIGIT</a:t>
+            </a:r>
+            <a:r>
+              <a:rPr lang="en-US" baseline="30000" dirty="0"/>
+              <a:t>+</a:t>
+            </a:r>
+            <a:r>
+              <a:rPr lang="en-US" dirty="0"/>
+              <a:t>KLRG1</a:t>
+            </a:r>
+            <a:r>
+              <a:rPr lang="en-US" baseline="30000" dirty="0"/>
+              <a:t>+</a:t>
+            </a:r>
+            <a:r>
+              <a:rPr lang="en-US" dirty="0"/>
+              <a:t> non-naïve CD8 frequencies not different between </a:t>
+            </a:r>
+            <a:r>
+              <a:rPr lang="en-US" dirty="0" err="1"/>
+              <a:t>irAE</a:t>
+            </a:r>
+            <a:r>
+              <a:rPr lang="en-US" dirty="0"/>
+              <a:t> groups in </a:t>
+            </a:r>
+            <a:r>
+              <a:rPr lang="en-US" dirty="0" err="1"/>
+              <a:t>Luoma</a:t>
+            </a:r>
+            <a:r>
+              <a:rPr lang="en-US" dirty="0"/>
+              <a:t> (2020), </a:t>
+            </a:r>
+            <a:r>
+              <a:rPr lang="en-US" i="1" dirty="0"/>
+              <a:t>Cell</a:t>
+            </a:r>
+            <a:r>
+              <a:rPr lang="en-US" dirty="0"/>
+              <a:t> colitis or Zhu (2022), </a:t>
+            </a:r>
+            <a:r>
+              <a:rPr lang="en-US" i="1" dirty="0"/>
+              <a:t>Circulation</a:t>
+            </a:r>
+            <a:r>
+              <a:rPr lang="en-US" dirty="0"/>
+              <a:t> myocarditis datasets (data not shown)</a:t>
+            </a:r>
           </a:p>
         </p:txBody>
       </p:sp>
